--- a/CSE203/SLIDE/AbstractClass_Interface.pptx
+++ b/CSE203/SLIDE/AbstractClass_Interface.pptx
@@ -171,6 +171,22 @@
       </a:defRPr>
     </a:lvl9pPr>
   </p:defaultTextStyle>
+  <p:extLst>
+    <p:ext uri="{EFAFB233-063F-42B5-8137-9DF3F51BA10A}">
+      <p15:sldGuideLst xmlns:p15="http://schemas.microsoft.com/office/powerpoint/2012/main">
+        <p15:guide id="1" orient="horz" pos="2160">
+          <p15:clr>
+            <a:srgbClr val="A4A3A4"/>
+          </p15:clr>
+        </p15:guide>
+        <p15:guide id="2" pos="2880">
+          <p15:clr>
+            <a:srgbClr val="A4A3A4"/>
+          </p15:clr>
+        </p15:guide>
+      </p15:sldGuideLst>
+    </p:ext>
+  </p:extLst>
 </p:presentation>
 </file>
 
@@ -253,7 +269,7 @@
           </a:lstStyle>
           <a:p>
             <a:r>
-              <a:rPr lang="en-US" smtClean="0"/>
+              <a:rPr lang="en-US"/>
               <a:t>Click to edit Master title style</a:t>
             </a:r>
             <a:endParaRPr lang="en-US" dirty="0"/>
@@ -373,7 +389,7 @@
           </a:lstStyle>
           <a:p>
             <a:r>
-              <a:rPr lang="en-US" smtClean="0"/>
+              <a:rPr lang="en-US"/>
               <a:t>Click to edit Master subtitle style</a:t>
             </a:r>
             <a:endParaRPr lang="en-US" dirty="0"/>
@@ -407,7 +423,7 @@
               <a:pPr>
                 <a:defRPr/>
               </a:pPr>
-              <a:t>3/7/2017</a:t>
+              <a:t>6/28/2022</a:t>
             </a:fld>
             <a:endParaRPr lang="en-US"/>
           </a:p>
@@ -518,10 +534,9 @@
           <a:lstStyle/>
           <a:p>
             <a:r>
-              <a:rPr lang="en-US" smtClean="0"/>
+              <a:rPr lang="en-US"/>
               <a:t>Click to edit Master title style</a:t>
             </a:r>
-            <a:endParaRPr lang="en-US"/>
           </a:p>
         </p:txBody>
       </p:sp>
@@ -542,38 +557,37 @@
           <a:p>
             <a:pPr lvl="0"/>
             <a:r>
-              <a:rPr lang="en-US" smtClean="0"/>
+              <a:rPr lang="en-US"/>
               <a:t>Click to edit Master text styles</a:t>
             </a:r>
           </a:p>
           <a:p>
             <a:pPr lvl="1"/>
             <a:r>
-              <a:rPr lang="en-US" smtClean="0"/>
+              <a:rPr lang="en-US"/>
               <a:t>Second level</a:t>
             </a:r>
           </a:p>
           <a:p>
             <a:pPr lvl="2"/>
             <a:r>
-              <a:rPr lang="en-US" smtClean="0"/>
+              <a:rPr lang="en-US"/>
               <a:t>Third level</a:t>
             </a:r>
           </a:p>
           <a:p>
             <a:pPr lvl="3"/>
             <a:r>
-              <a:rPr lang="en-US" smtClean="0"/>
+              <a:rPr lang="en-US"/>
               <a:t>Fourth level</a:t>
             </a:r>
           </a:p>
           <a:p>
             <a:pPr lvl="4"/>
             <a:r>
-              <a:rPr lang="en-US" smtClean="0"/>
+              <a:rPr lang="en-US"/>
               <a:t>Fifth level</a:t>
             </a:r>
-            <a:endParaRPr lang="en-US"/>
           </a:p>
         </p:txBody>
       </p:sp>
@@ -604,7 +618,7 @@
               <a:pPr>
                 <a:defRPr/>
               </a:pPr>
-              <a:t>3/7/2017</a:t>
+              <a:t>6/28/2022</a:t>
             </a:fld>
             <a:endParaRPr lang="en-US"/>
           </a:p>
@@ -720,7 +734,7 @@
           <a:lstStyle/>
           <a:p>
             <a:r>
-              <a:rPr lang="en-US" smtClean="0"/>
+              <a:rPr lang="en-US"/>
               <a:t>Click to edit Master title style</a:t>
             </a:r>
             <a:endParaRPr lang="en-US" dirty="0"/>
@@ -749,35 +763,35 @@
           <a:p>
             <a:pPr lvl="0"/>
             <a:r>
-              <a:rPr lang="en-US" smtClean="0"/>
+              <a:rPr lang="en-US"/>
               <a:t>Click to edit Master text styles</a:t>
             </a:r>
           </a:p>
           <a:p>
             <a:pPr lvl="1"/>
             <a:r>
-              <a:rPr lang="en-US" smtClean="0"/>
+              <a:rPr lang="en-US"/>
               <a:t>Second level</a:t>
             </a:r>
           </a:p>
           <a:p>
             <a:pPr lvl="2"/>
             <a:r>
-              <a:rPr lang="en-US" smtClean="0"/>
+              <a:rPr lang="en-US"/>
               <a:t>Third level</a:t>
             </a:r>
           </a:p>
           <a:p>
             <a:pPr lvl="3"/>
             <a:r>
-              <a:rPr lang="en-US" smtClean="0"/>
+              <a:rPr lang="en-US"/>
               <a:t>Fourth level</a:t>
             </a:r>
           </a:p>
           <a:p>
             <a:pPr lvl="4"/>
             <a:r>
-              <a:rPr lang="en-US" smtClean="0"/>
+              <a:rPr lang="en-US"/>
               <a:t>Fifth level</a:t>
             </a:r>
             <a:endParaRPr lang="en-US" dirty="0"/>
@@ -811,7 +825,7 @@
               <a:pPr>
                 <a:defRPr/>
               </a:pPr>
-              <a:t>3/7/2017</a:t>
+              <a:t>6/28/2022</a:t>
             </a:fld>
             <a:endParaRPr lang="en-US"/>
           </a:p>
@@ -922,10 +936,9 @@
           <a:lstStyle/>
           <a:p>
             <a:r>
-              <a:rPr lang="en-US" smtClean="0"/>
+              <a:rPr lang="en-US"/>
               <a:t>Click to edit Master title style</a:t>
             </a:r>
-            <a:endParaRPr lang="en-US"/>
           </a:p>
         </p:txBody>
       </p:sp>
@@ -946,38 +959,37 @@
           <a:p>
             <a:pPr lvl="0"/>
             <a:r>
-              <a:rPr lang="en-US" smtClean="0"/>
+              <a:rPr lang="en-US"/>
               <a:t>Click to edit Master text styles</a:t>
             </a:r>
           </a:p>
           <a:p>
             <a:pPr lvl="1"/>
             <a:r>
-              <a:rPr lang="en-US" smtClean="0"/>
+              <a:rPr lang="en-US"/>
               <a:t>Second level</a:t>
             </a:r>
           </a:p>
           <a:p>
             <a:pPr lvl="2"/>
             <a:r>
-              <a:rPr lang="en-US" smtClean="0"/>
+              <a:rPr lang="en-US"/>
               <a:t>Third level</a:t>
             </a:r>
           </a:p>
           <a:p>
             <a:pPr lvl="3"/>
             <a:r>
-              <a:rPr lang="en-US" smtClean="0"/>
+              <a:rPr lang="en-US"/>
               <a:t>Fourth level</a:t>
             </a:r>
           </a:p>
           <a:p>
             <a:pPr lvl="4"/>
             <a:r>
-              <a:rPr lang="en-US" smtClean="0"/>
+              <a:rPr lang="en-US"/>
               <a:t>Fifth level</a:t>
             </a:r>
-            <a:endParaRPr lang="en-US"/>
           </a:p>
         </p:txBody>
       </p:sp>
@@ -1008,7 +1020,7 @@
               <a:pPr>
                 <a:defRPr/>
               </a:pPr>
-              <a:t>3/7/2017</a:t>
+              <a:t>6/28/2022</a:t>
             </a:fld>
             <a:endParaRPr lang="en-US"/>
           </a:p>
@@ -1171,7 +1183,7 @@
           </a:lstStyle>
           <a:p>
             <a:r>
-              <a:rPr lang="en-US" smtClean="0"/>
+              <a:rPr lang="en-US"/>
               <a:t>Click to edit Master title style</a:t>
             </a:r>
             <a:endParaRPr lang="en-US" dirty="0"/>
@@ -1291,7 +1303,7 @@
           <a:p>
             <a:pPr lvl="0"/>
             <a:r>
-              <a:rPr lang="en-US" smtClean="0"/>
+              <a:rPr lang="en-US"/>
               <a:t>Click to edit Master text styles</a:t>
             </a:r>
           </a:p>
@@ -1324,7 +1336,7 @@
               <a:pPr>
                 <a:defRPr/>
               </a:pPr>
-              <a:t>3/7/2017</a:t>
+              <a:t>6/28/2022</a:t>
             </a:fld>
             <a:endParaRPr lang="en-US"/>
           </a:p>
@@ -1435,10 +1447,9 @@
           <a:lstStyle/>
           <a:p>
             <a:r>
-              <a:rPr lang="en-US" smtClean="0"/>
+              <a:rPr lang="en-US"/>
               <a:t>Click to edit Master title style</a:t>
             </a:r>
-            <a:endParaRPr lang="en-US"/>
           </a:p>
         </p:txBody>
       </p:sp>
@@ -1492,35 +1503,35 @@
           <a:p>
             <a:pPr lvl="0"/>
             <a:r>
-              <a:rPr lang="en-US" smtClean="0"/>
+              <a:rPr lang="en-US"/>
               <a:t>Click to edit Master text styles</a:t>
             </a:r>
           </a:p>
           <a:p>
             <a:pPr lvl="1"/>
             <a:r>
-              <a:rPr lang="en-US" smtClean="0"/>
+              <a:rPr lang="en-US"/>
               <a:t>Second level</a:t>
             </a:r>
           </a:p>
           <a:p>
             <a:pPr lvl="2"/>
             <a:r>
-              <a:rPr lang="en-US" smtClean="0"/>
+              <a:rPr lang="en-US"/>
               <a:t>Third level</a:t>
             </a:r>
           </a:p>
           <a:p>
             <a:pPr lvl="3"/>
             <a:r>
-              <a:rPr lang="en-US" smtClean="0"/>
+              <a:rPr lang="en-US"/>
               <a:t>Fourth level</a:t>
             </a:r>
           </a:p>
           <a:p>
             <a:pPr lvl="4"/>
             <a:r>
-              <a:rPr lang="en-US" smtClean="0"/>
+              <a:rPr lang="en-US"/>
               <a:t>Fifth level</a:t>
             </a:r>
             <a:endParaRPr lang="en-US" dirty="0"/>
@@ -1577,35 +1588,35 @@
           <a:p>
             <a:pPr lvl="0"/>
             <a:r>
-              <a:rPr lang="en-US" smtClean="0"/>
+              <a:rPr lang="en-US"/>
               <a:t>Click to edit Master text styles</a:t>
             </a:r>
           </a:p>
           <a:p>
             <a:pPr lvl="1"/>
             <a:r>
-              <a:rPr lang="en-US" smtClean="0"/>
+              <a:rPr lang="en-US"/>
               <a:t>Second level</a:t>
             </a:r>
           </a:p>
           <a:p>
             <a:pPr lvl="2"/>
             <a:r>
-              <a:rPr lang="en-US" smtClean="0"/>
+              <a:rPr lang="en-US"/>
               <a:t>Third level</a:t>
             </a:r>
           </a:p>
           <a:p>
             <a:pPr lvl="3"/>
             <a:r>
-              <a:rPr lang="en-US" smtClean="0"/>
+              <a:rPr lang="en-US"/>
               <a:t>Fourth level</a:t>
             </a:r>
           </a:p>
           <a:p>
             <a:pPr lvl="4"/>
             <a:r>
-              <a:rPr lang="en-US" smtClean="0"/>
+              <a:rPr lang="en-US"/>
               <a:t>Fifth level</a:t>
             </a:r>
             <a:endParaRPr lang="en-US" dirty="0"/>
@@ -1639,7 +1650,7 @@
               <a:pPr>
                 <a:defRPr/>
               </a:pPr>
-              <a:t>3/7/2017</a:t>
+              <a:t>6/28/2022</a:t>
             </a:fld>
             <a:endParaRPr lang="en-US"/>
           </a:p>
@@ -1789,7 +1800,7 @@
           </a:lstStyle>
           <a:p>
             <a:r>
-              <a:rPr lang="en-US" smtClean="0"/>
+              <a:rPr lang="en-US"/>
               <a:t>Click to edit Master title style</a:t>
             </a:r>
             <a:endParaRPr lang="en-US" dirty="0"/>
@@ -1878,7 +1889,7 @@
           <a:p>
             <a:pPr lvl="0"/>
             <a:r>
-              <a:rPr lang="en-US" smtClean="0"/>
+              <a:rPr lang="en-US"/>
               <a:t>Click to edit Master text styles</a:t>
             </a:r>
           </a:p>
@@ -1934,35 +1945,35 @@
           <a:p>
             <a:pPr lvl="0"/>
             <a:r>
-              <a:rPr lang="en-US" smtClean="0"/>
+              <a:rPr lang="en-US"/>
               <a:t>Click to edit Master text styles</a:t>
             </a:r>
           </a:p>
           <a:p>
             <a:pPr lvl="1"/>
             <a:r>
-              <a:rPr lang="en-US" smtClean="0"/>
+              <a:rPr lang="en-US"/>
               <a:t>Second level</a:t>
             </a:r>
           </a:p>
           <a:p>
             <a:pPr lvl="2"/>
             <a:r>
-              <a:rPr lang="en-US" smtClean="0"/>
+              <a:rPr lang="en-US"/>
               <a:t>Third level</a:t>
             </a:r>
           </a:p>
           <a:p>
             <a:pPr lvl="3"/>
             <a:r>
-              <a:rPr lang="en-US" smtClean="0"/>
+              <a:rPr lang="en-US"/>
               <a:t>Fourth level</a:t>
             </a:r>
           </a:p>
           <a:p>
             <a:pPr lvl="4"/>
             <a:r>
-              <a:rPr lang="en-US" smtClean="0"/>
+              <a:rPr lang="en-US"/>
               <a:t>Fifth level</a:t>
             </a:r>
             <a:endParaRPr lang="en-US" dirty="0"/>
@@ -2054,7 +2065,7 @@
           <a:p>
             <a:pPr lvl="0"/>
             <a:r>
-              <a:rPr lang="en-US" smtClean="0"/>
+              <a:rPr lang="en-US"/>
               <a:t>Click to edit Master text styles</a:t>
             </a:r>
           </a:p>
@@ -2110,35 +2121,35 @@
           <a:p>
             <a:pPr lvl="0"/>
             <a:r>
-              <a:rPr lang="en-US" smtClean="0"/>
+              <a:rPr lang="en-US"/>
               <a:t>Click to edit Master text styles</a:t>
             </a:r>
           </a:p>
           <a:p>
             <a:pPr lvl="1"/>
             <a:r>
-              <a:rPr lang="en-US" smtClean="0"/>
+              <a:rPr lang="en-US"/>
               <a:t>Second level</a:t>
             </a:r>
           </a:p>
           <a:p>
             <a:pPr lvl="2"/>
             <a:r>
-              <a:rPr lang="en-US" smtClean="0"/>
+              <a:rPr lang="en-US"/>
               <a:t>Third level</a:t>
             </a:r>
           </a:p>
           <a:p>
             <a:pPr lvl="3"/>
             <a:r>
-              <a:rPr lang="en-US" smtClean="0"/>
+              <a:rPr lang="en-US"/>
               <a:t>Fourth level</a:t>
             </a:r>
           </a:p>
           <a:p>
             <a:pPr lvl="4"/>
             <a:r>
-              <a:rPr lang="en-US" smtClean="0"/>
+              <a:rPr lang="en-US"/>
               <a:t>Fifth level</a:t>
             </a:r>
             <a:endParaRPr lang="en-US" dirty="0"/>
@@ -2172,7 +2183,7 @@
               <a:pPr>
                 <a:defRPr/>
               </a:pPr>
-              <a:t>3/7/2017</a:t>
+              <a:t>6/28/2022</a:t>
             </a:fld>
             <a:endParaRPr lang="en-US"/>
           </a:p>
@@ -2283,10 +2294,9 @@
           <a:lstStyle/>
           <a:p>
             <a:r>
-              <a:rPr lang="en-US" smtClean="0"/>
+              <a:rPr lang="en-US"/>
               <a:t>Click to edit Master title style</a:t>
             </a:r>
-            <a:endParaRPr lang="en-US"/>
           </a:p>
         </p:txBody>
       </p:sp>
@@ -2317,7 +2327,7 @@
               <a:pPr>
                 <a:defRPr/>
               </a:pPr>
-              <a:t>3/7/2017</a:t>
+              <a:t>6/28/2022</a:t>
             </a:fld>
             <a:endParaRPr lang="en-US"/>
           </a:p>
@@ -2439,7 +2449,7 @@
               <a:pPr>
                 <a:defRPr/>
               </a:pPr>
-              <a:t>3/7/2017</a:t>
+              <a:t>6/28/2022</a:t>
             </a:fld>
             <a:endParaRPr lang="en-US"/>
           </a:p>
@@ -2596,7 +2606,7 @@
           </a:lstStyle>
           <a:p>
             <a:r>
-              <a:rPr lang="en-US" smtClean="0"/>
+              <a:rPr lang="en-US"/>
               <a:t>Click to edit Master title style</a:t>
             </a:r>
             <a:endParaRPr lang="en-US" dirty="0"/>
@@ -2653,35 +2663,35 @@
           <a:p>
             <a:pPr lvl="0"/>
             <a:r>
-              <a:rPr lang="en-US" smtClean="0"/>
+              <a:rPr lang="en-US"/>
               <a:t>Click to edit Master text styles</a:t>
             </a:r>
           </a:p>
           <a:p>
             <a:pPr lvl="1"/>
             <a:r>
-              <a:rPr lang="en-US" smtClean="0"/>
+              <a:rPr lang="en-US"/>
               <a:t>Second level</a:t>
             </a:r>
           </a:p>
           <a:p>
             <a:pPr lvl="2"/>
             <a:r>
-              <a:rPr lang="en-US" smtClean="0"/>
+              <a:rPr lang="en-US"/>
               <a:t>Third level</a:t>
             </a:r>
           </a:p>
           <a:p>
             <a:pPr lvl="3"/>
             <a:r>
-              <a:rPr lang="en-US" smtClean="0"/>
+              <a:rPr lang="en-US"/>
               <a:t>Fourth level</a:t>
             </a:r>
           </a:p>
           <a:p>
             <a:pPr lvl="4"/>
             <a:r>
-              <a:rPr lang="en-US" smtClean="0"/>
+              <a:rPr lang="en-US"/>
               <a:t>Fifth level</a:t>
             </a:r>
             <a:endParaRPr lang="en-US" dirty="0"/>
@@ -2747,7 +2757,7 @@
           <a:p>
             <a:pPr lvl="0"/>
             <a:r>
-              <a:rPr lang="en-US" smtClean="0"/>
+              <a:rPr lang="en-US"/>
               <a:t>Click to edit Master text styles</a:t>
             </a:r>
           </a:p>
@@ -2780,7 +2790,7 @@
               <a:pPr>
                 <a:defRPr/>
               </a:pPr>
-              <a:t>3/7/2017</a:t>
+              <a:t>6/28/2022</a:t>
             </a:fld>
             <a:endParaRPr lang="en-US"/>
           </a:p>
@@ -2900,7 +2910,7 @@
           </a:lstStyle>
           <a:p>
             <a:r>
-              <a:rPr lang="en-US" smtClean="0"/>
+              <a:rPr lang="en-US"/>
               <a:t>Click to edit Master title style</a:t>
             </a:r>
             <a:endParaRPr lang="en-US" dirty="0"/>
@@ -2984,7 +2994,7 @@
           <a:p>
             <a:pPr lvl="0"/>
             <a:r>
-              <a:rPr lang="en-US" noProof="0" smtClean="0"/>
+              <a:rPr lang="en-US" noProof="0"/>
               <a:t>Click icon to add picture</a:t>
             </a:r>
             <a:endParaRPr lang="en-US" noProof="0" dirty="0"/>
@@ -3050,7 +3060,7 @@
           <a:p>
             <a:pPr lvl="0"/>
             <a:r>
-              <a:rPr lang="en-US" smtClean="0"/>
+              <a:rPr lang="en-US"/>
               <a:t>Click to edit Master text styles</a:t>
             </a:r>
           </a:p>
@@ -3083,7 +3093,7 @@
               <a:pPr>
                 <a:defRPr/>
               </a:pPr>
-              <a:t>3/7/2017</a:t>
+              <a:t>6/28/2022</a:t>
             </a:fld>
             <a:endParaRPr lang="en-US"/>
           </a:p>
@@ -3260,7 +3270,7 @@
           <a:lstStyle/>
           <a:p>
             <a:r>
-              <a:rPr lang="en-US" smtClean="0"/>
+              <a:rPr lang="en-US"/>
               <a:t>Click to edit Master title style</a:t>
             </a:r>
             <a:endParaRPr lang="en-US" dirty="0"/>
@@ -3319,35 +3329,35 @@
           <a:p>
             <a:pPr lvl="0"/>
             <a:r>
-              <a:rPr lang="en-US" altLang="en-US" smtClean="0"/>
+              <a:rPr lang="en-US" altLang="en-US"/>
               <a:t>Click to edit Master text styles</a:t>
             </a:r>
           </a:p>
           <a:p>
             <a:pPr lvl="1"/>
             <a:r>
-              <a:rPr lang="en-US" altLang="en-US" smtClean="0"/>
+              <a:rPr lang="en-US" altLang="en-US"/>
               <a:t>Second level</a:t>
             </a:r>
           </a:p>
           <a:p>
             <a:pPr lvl="2"/>
             <a:r>
-              <a:rPr lang="en-US" altLang="en-US" smtClean="0"/>
+              <a:rPr lang="en-US" altLang="en-US"/>
               <a:t>Third level</a:t>
             </a:r>
           </a:p>
           <a:p>
             <a:pPr lvl="3"/>
             <a:r>
-              <a:rPr lang="en-US" altLang="en-US" smtClean="0"/>
+              <a:rPr lang="en-US" altLang="en-US"/>
               <a:t>Fourth level</a:t>
             </a:r>
           </a:p>
           <a:p>
             <a:pPr lvl="4"/>
             <a:r>
-              <a:rPr lang="en-US" altLang="en-US" smtClean="0"/>
+              <a:rPr lang="en-US" altLang="en-US"/>
               <a:t>Fifth level</a:t>
             </a:r>
           </a:p>
@@ -3442,7 +3452,7 @@
               <a:pPr>
                 <a:defRPr/>
               </a:pPr>
-              <a:t>3/7/2017</a:t>
+              <a:t>6/28/2022</a:t>
             </a:fld>
             <a:endParaRPr lang="en-US"/>
           </a:p>
@@ -4003,27 +4013,29 @@
               <a:defRPr/>
             </a:pPr>
             <a:r>
-              <a:rPr lang="en-US" altLang="en-US" sz="4400" dirty="0" smtClean="0"/>
+              <a:rPr lang="en-US" altLang="en-US" sz="4400" dirty="0"/>
               <a:t>Abstract Class, Interface</a:t>
             </a:r>
-            <a:r>
-              <a:rPr lang="en-US" altLang="en-US" sz="4800" dirty="0" smtClean="0"/>
-              <a:t/>
-            </a:r>
             <a:br>
-              <a:rPr lang="en-US" altLang="en-US" sz="4800" dirty="0" smtClean="0"/>
+              <a:rPr lang="en-US" altLang="en-US" sz="4800" dirty="0"/>
             </a:br>
             <a:r>
-              <a:rPr lang="en-US" altLang="en-US" sz="2400" dirty="0" smtClean="0"/>
+              <a:rPr lang="en-US" altLang="en-US" sz="2400" dirty="0"/>
               <a:t>CSI 211: Object Oriented Programming</a:t>
             </a:r>
-            <a:endParaRPr lang="en-US" altLang="en-US" sz="4800" dirty="0" smtClean="0"/>
-          </a:p>
-        </p:txBody>
-      </p:sp>
-      <p:sp>
-        <p:nvSpPr>
-          <p:cNvPr id="3" name="Subtitle 2"/>
+            <a:endParaRPr lang="en-US" altLang="en-US" sz="4800" dirty="0"/>
+          </a:p>
+        </p:txBody>
+      </p:sp>
+      <p:sp>
+        <p:nvSpPr>
+          <p:cNvPr id="2" name="Subtitle 1">
+            <a:extLst>
+              <a:ext uri="{FF2B5EF4-FFF2-40B4-BE49-F238E27FC236}">
+                <a16:creationId xmlns:a16="http://schemas.microsoft.com/office/drawing/2014/main" id="{FC969A34-3620-4830-95F5-F3DF13CE3759}"/>
+              </a:ext>
+            </a:extLst>
+          </p:cNvPr>
           <p:cNvSpPr>
             <a:spLocks noGrp="1"/>
           </p:cNvSpPr>
@@ -4033,30 +4045,10 @@
         </p:nvSpPr>
         <p:spPr/>
         <p:txBody>
-          <a:bodyPr rtlCol="0">
-            <a:normAutofit/>
-          </a:bodyPr>
+          <a:bodyPr/>
           <a:lstStyle/>
           <a:p>
-            <a:pPr eaLnBrk="1" fontAlgn="auto" hangingPunct="1">
-              <a:spcAft>
-                <a:spcPts val="0"/>
-              </a:spcAft>
-              <a:defRPr/>
-            </a:pPr>
-            <a:r>
-              <a:rPr lang="en-US" dirty="0" err="1" smtClean="0"/>
-              <a:t>Tanjina</a:t>
-            </a:r>
-            <a:r>
-              <a:rPr lang="en-US" dirty="0" smtClean="0"/>
-              <a:t> </a:t>
-            </a:r>
-            <a:r>
-              <a:rPr lang="en-US" dirty="0" err="1" smtClean="0"/>
-              <a:t>Helaly</a:t>
-            </a:r>
-            <a:endParaRPr lang="en-US" dirty="0" smtClean="0"/>
+            <a:endParaRPr lang="en-US"/>
           </a:p>
         </p:txBody>
       </p:sp>
@@ -4106,12 +4098,8 @@
               <a:defRPr/>
             </a:pPr>
             <a:r>
-              <a:rPr lang="en-US" altLang="en-US" dirty="0" smtClean="0"/>
-              <a:t>Abstract Class– </a:t>
-            </a:r>
-            <a:r>
-              <a:rPr lang="en-US" altLang="en-US" dirty="0" smtClean="0"/>
-              <a:t>example (no abstract method)</a:t>
+              <a:rPr lang="en-US" altLang="en-US" dirty="0"/>
+              <a:t>Abstract Class– example (no abstract method)</a:t>
             </a:r>
             <a:endParaRPr lang="en-US" dirty="0"/>
           </a:p>
@@ -4139,12 +4127,8 @@
               <a:buNone/>
             </a:pPr>
             <a:r>
-              <a:rPr lang="en-US" sz="1200" b="1" dirty="0" smtClean="0"/>
-              <a:t>abstract </a:t>
-            </a:r>
-            <a:r>
-              <a:rPr lang="en-US" sz="1200" b="1" dirty="0" smtClean="0"/>
-              <a:t>class Animal{</a:t>
+              <a:rPr lang="en-US" sz="1200" b="1" dirty="0"/>
+              <a:t>abstract class Animal{</a:t>
             </a:r>
           </a:p>
           <a:p>
@@ -4155,7 +4139,7 @@
               <a:buNone/>
             </a:pPr>
             <a:r>
-              <a:rPr lang="en-US" sz="1200" dirty="0" smtClean="0"/>
+              <a:rPr lang="en-US" sz="1200" dirty="0"/>
               <a:t>// instance variables</a:t>
             </a:r>
           </a:p>
@@ -4167,7 +4151,7 @@
               <a:buNone/>
             </a:pPr>
             <a:r>
-              <a:rPr lang="en-US" sz="1200" dirty="0" smtClean="0"/>
+              <a:rPr lang="en-US" sz="1200" dirty="0"/>
               <a:t>String name, color;</a:t>
             </a:r>
           </a:p>
@@ -4179,7 +4163,7 @@
               <a:buNone/>
             </a:pPr>
             <a:r>
-              <a:rPr lang="en-US" sz="1200" b="1" dirty="0" smtClean="0"/>
+              <a:rPr lang="en-US" sz="1200" b="1" dirty="0"/>
               <a:t>double weight;</a:t>
             </a:r>
           </a:p>
@@ -4190,7 +4174,7 @@
               </a:spcBef>
               <a:buNone/>
             </a:pPr>
-            <a:endParaRPr lang="en-US" sz="1200" dirty="0" smtClean="0"/>
+            <a:endParaRPr lang="en-US" sz="1200" dirty="0"/>
           </a:p>
           <a:p>
             <a:pPr lvl="1">
@@ -4200,7 +4184,7 @@
               <a:buNone/>
             </a:pPr>
             <a:r>
-              <a:rPr lang="en-US" sz="1200" dirty="0" smtClean="0"/>
+              <a:rPr lang="en-US" sz="1200" dirty="0"/>
               <a:t>// Constructors</a:t>
             </a:r>
           </a:p>
@@ -4212,14 +4196,9 @@
               <a:buNone/>
             </a:pPr>
             <a:r>
-              <a:rPr lang="en-US" sz="1200" dirty="0" smtClean="0"/>
-              <a:t>Animal</a:t>
-            </a:r>
-            <a:r>
-              <a:rPr lang="en-US" sz="1200" dirty="0" smtClean="0"/>
-              <a:t>(){ }</a:t>
-            </a:r>
-            <a:endParaRPr lang="en-US" sz="1200" dirty="0" smtClean="0"/>
+              <a:rPr lang="en-US" sz="1200" dirty="0"/>
+              <a:t>Animal(){ }</a:t>
+            </a:r>
           </a:p>
           <a:p>
             <a:pPr lvl="1">
@@ -4228,7 +4207,7 @@
               </a:spcBef>
               <a:buNone/>
             </a:pPr>
-            <a:endParaRPr lang="en-US" sz="1200" dirty="0" smtClean="0"/>
+            <a:endParaRPr lang="en-US" sz="1200" dirty="0"/>
           </a:p>
           <a:p>
             <a:pPr lvl="1">
@@ -4238,7 +4217,7 @@
               <a:buNone/>
             </a:pPr>
             <a:r>
-              <a:rPr lang="en-US" sz="1200" dirty="0" smtClean="0"/>
+              <a:rPr lang="en-US" sz="1200" dirty="0"/>
               <a:t>Animal(String name, String color){</a:t>
             </a:r>
           </a:p>
@@ -4250,15 +4229,15 @@
               <a:buNone/>
             </a:pPr>
             <a:r>
-              <a:rPr lang="en-US" sz="1200" b="1" dirty="0" smtClean="0"/>
+              <a:rPr lang="en-US" sz="1200" b="1" dirty="0"/>
               <a:t>	this(</a:t>
             </a:r>
             <a:r>
-              <a:rPr lang="en-US" sz="1200" b="1" dirty="0" err="1" smtClean="0"/>
+              <a:rPr lang="en-US" sz="1200" b="1" dirty="0" err="1"/>
               <a:t>name,color</a:t>
             </a:r>
             <a:r>
-              <a:rPr lang="en-US" sz="1200" b="1" dirty="0" smtClean="0"/>
+              <a:rPr lang="en-US" sz="1200" b="1" dirty="0"/>
               <a:t>, 0.0);</a:t>
             </a:r>
           </a:p>
@@ -4270,7 +4249,7 @@
               <a:buNone/>
             </a:pPr>
             <a:r>
-              <a:rPr lang="en-US" sz="1200" dirty="0" smtClean="0"/>
+              <a:rPr lang="en-US" sz="1200" dirty="0"/>
               <a:t>}</a:t>
             </a:r>
           </a:p>
@@ -4281,7 +4260,7 @@
               </a:spcBef>
               <a:buNone/>
             </a:pPr>
-            <a:endParaRPr lang="en-US" sz="1200" dirty="0" smtClean="0"/>
+            <a:endParaRPr lang="en-US" sz="1200" dirty="0"/>
           </a:p>
           <a:p>
             <a:pPr lvl="1">
@@ -4291,11 +4270,11 @@
               <a:buNone/>
             </a:pPr>
             <a:r>
-              <a:rPr lang="en-US" sz="1200" dirty="0" smtClean="0"/>
+              <a:rPr lang="en-US" sz="1200" dirty="0"/>
               <a:t>Animal(String name, String color, </a:t>
             </a:r>
             <a:r>
-              <a:rPr lang="en-US" sz="1200" b="1" dirty="0" smtClean="0"/>
+              <a:rPr lang="en-US" sz="1200" b="1" dirty="0"/>
               <a:t>double weight){</a:t>
             </a:r>
           </a:p>
@@ -4307,7 +4286,7 @@
               <a:buNone/>
             </a:pPr>
             <a:r>
-              <a:rPr lang="en-US" sz="1200" b="1" dirty="0" smtClean="0"/>
+              <a:rPr lang="en-US" sz="1200" b="1" dirty="0"/>
               <a:t>this.name = name;</a:t>
             </a:r>
           </a:p>
@@ -4319,11 +4298,11 @@
               <a:buNone/>
             </a:pPr>
             <a:r>
-              <a:rPr lang="en-US" sz="1200" b="1" dirty="0" err="1" smtClean="0"/>
+              <a:rPr lang="en-US" sz="1200" b="1" dirty="0" err="1"/>
               <a:t>this.color</a:t>
             </a:r>
             <a:r>
-              <a:rPr lang="en-US" sz="1200" b="1" dirty="0" smtClean="0"/>
+              <a:rPr lang="en-US" sz="1200" b="1" dirty="0"/>
               <a:t> = color;</a:t>
             </a:r>
           </a:p>
@@ -4335,11 +4314,11 @@
               <a:buNone/>
             </a:pPr>
             <a:r>
-              <a:rPr lang="en-US" sz="1200" b="1" dirty="0" err="1" smtClean="0"/>
+              <a:rPr lang="en-US" sz="1200" b="1" dirty="0" err="1"/>
               <a:t>this.weight</a:t>
             </a:r>
             <a:r>
-              <a:rPr lang="en-US" sz="1200" b="1" dirty="0" smtClean="0"/>
+              <a:rPr lang="en-US" sz="1200" b="1" dirty="0"/>
               <a:t> = weight;</a:t>
             </a:r>
           </a:p>
@@ -4351,10 +4330,9 @@
               <a:buNone/>
             </a:pPr>
             <a:r>
-              <a:rPr lang="en-US" sz="1200" dirty="0" smtClean="0"/>
+              <a:rPr lang="en-US" sz="1200" dirty="0"/>
               <a:t>	}</a:t>
             </a:r>
-            <a:endParaRPr lang="en-US" sz="1200" dirty="0" smtClean="0"/>
           </a:p>
           <a:p>
             <a:pPr>
@@ -4363,7 +4341,7 @@
               </a:spcBef>
               <a:buNone/>
             </a:pPr>
-            <a:endParaRPr lang="en-US" sz="1200" dirty="0" smtClean="0"/>
+            <a:endParaRPr lang="en-US" sz="1200" dirty="0"/>
           </a:p>
           <a:p>
             <a:pPr lvl="1">
@@ -4373,7 +4351,7 @@
               <a:buNone/>
             </a:pPr>
             <a:r>
-              <a:rPr lang="en-US" sz="1200" dirty="0" smtClean="0"/>
+              <a:rPr lang="en-US" sz="1200" dirty="0"/>
               <a:t>// Concrete methods</a:t>
             </a:r>
           </a:p>
@@ -4385,7 +4363,7 @@
               <a:buNone/>
             </a:pPr>
             <a:r>
-              <a:rPr lang="en-US" sz="1200" b="1" dirty="0" smtClean="0"/>
+              <a:rPr lang="en-US" sz="1200" b="1" dirty="0"/>
               <a:t>public void eat(){</a:t>
             </a:r>
           </a:p>
@@ -4397,24 +4375,20 @@
               <a:buNone/>
             </a:pPr>
             <a:r>
-              <a:rPr lang="en-US" sz="1200" dirty="0" smtClean="0"/>
+              <a:rPr lang="en-US" sz="1200" dirty="0"/>
               <a:t>	</a:t>
             </a:r>
             <a:r>
-              <a:rPr lang="en-US" sz="1200" dirty="0" err="1" smtClean="0"/>
+              <a:rPr lang="en-US" sz="1200" dirty="0" err="1"/>
               <a:t>System.</a:t>
             </a:r>
             <a:r>
-              <a:rPr lang="en-US" sz="1200" b="1" i="1" dirty="0" err="1" smtClean="0"/>
+              <a:rPr lang="en-US" sz="1200" b="1" i="1" dirty="0" err="1"/>
               <a:t>out.println</a:t>
             </a:r>
             <a:r>
-              <a:rPr lang="en-US" sz="1200" b="1" i="1" dirty="0" smtClean="0"/>
-              <a:t>(name </a:t>
-            </a:r>
-            <a:r>
-              <a:rPr lang="en-US" sz="1200" b="1" i="1" dirty="0" smtClean="0"/>
-              <a:t>+ " eats.");</a:t>
+              <a:rPr lang="en-US" sz="1200" b="1" i="1" dirty="0"/>
+              <a:t>(name + " eats.");</a:t>
             </a:r>
           </a:p>
           <a:p>
@@ -4425,10 +4399,10 @@
               <a:buNone/>
             </a:pPr>
             <a:r>
-              <a:rPr lang="en-US" sz="1200" dirty="0" smtClean="0"/>
+              <a:rPr lang="en-US" sz="1200" dirty="0"/>
               <a:t>}</a:t>
             </a:r>
-            <a:endParaRPr lang="en-US" sz="1200" b="1" dirty="0" smtClean="0"/>
+            <a:endParaRPr lang="en-US" sz="1200" b="1" dirty="0"/>
           </a:p>
           <a:p>
             <a:pPr>
@@ -4438,10 +4412,10 @@
               <a:buNone/>
             </a:pPr>
             <a:r>
-              <a:rPr lang="en-US" sz="1200" dirty="0" smtClean="0"/>
+              <a:rPr lang="en-US" sz="1200" dirty="0"/>
               <a:t>}</a:t>
             </a:r>
-            <a:endParaRPr lang="en-US" altLang="en-US" sz="1200" dirty="0" smtClean="0"/>
+            <a:endParaRPr lang="en-US" altLang="en-US" sz="1200" dirty="0"/>
           </a:p>
         </p:txBody>
       </p:sp>
@@ -4496,12 +4470,8 @@
               <a:defRPr/>
             </a:pPr>
             <a:r>
-              <a:rPr lang="en-US" altLang="en-US" dirty="0" smtClean="0"/>
-              <a:t>Abstract Class– </a:t>
-            </a:r>
-            <a:r>
-              <a:rPr lang="en-US" altLang="en-US" dirty="0" smtClean="0"/>
-              <a:t>example(with abstract method)</a:t>
+              <a:rPr lang="en-US" altLang="en-US" dirty="0"/>
+              <a:t>Abstract Class– example(with abstract method)</a:t>
             </a:r>
             <a:endParaRPr lang="en-US" dirty="0"/>
           </a:p>
@@ -4529,12 +4499,8 @@
               <a:buNone/>
             </a:pPr>
             <a:r>
-              <a:rPr lang="en-US" sz="1200" b="1" dirty="0" smtClean="0"/>
-              <a:t>abstract </a:t>
-            </a:r>
-            <a:r>
-              <a:rPr lang="en-US" sz="1200" b="1" dirty="0" smtClean="0"/>
-              <a:t>class Animal{</a:t>
+              <a:rPr lang="en-US" sz="1200" b="1" dirty="0"/>
+              <a:t>abstract class Animal{</a:t>
             </a:r>
           </a:p>
           <a:p>
@@ -4545,7 +4511,7 @@
               <a:buNone/>
             </a:pPr>
             <a:r>
-              <a:rPr lang="en-US" sz="1200" dirty="0" smtClean="0"/>
+              <a:rPr lang="en-US" sz="1200" dirty="0"/>
               <a:t>// instance variables</a:t>
             </a:r>
           </a:p>
@@ -4557,7 +4523,7 @@
               <a:buNone/>
             </a:pPr>
             <a:r>
-              <a:rPr lang="en-US" sz="1200" dirty="0" smtClean="0"/>
+              <a:rPr lang="en-US" sz="1200" dirty="0"/>
               <a:t>String name, color;</a:t>
             </a:r>
           </a:p>
@@ -4569,7 +4535,7 @@
               <a:buNone/>
             </a:pPr>
             <a:r>
-              <a:rPr lang="en-US" sz="1200" b="1" dirty="0" smtClean="0"/>
+              <a:rPr lang="en-US" sz="1200" b="1" dirty="0"/>
               <a:t>double weight;</a:t>
             </a:r>
           </a:p>
@@ -4580,7 +4546,7 @@
               </a:spcBef>
               <a:buNone/>
             </a:pPr>
-            <a:endParaRPr lang="en-US" sz="1200" dirty="0" smtClean="0"/>
+            <a:endParaRPr lang="en-US" sz="1200" dirty="0"/>
           </a:p>
           <a:p>
             <a:pPr lvl="1">
@@ -4590,7 +4556,7 @@
               <a:buNone/>
             </a:pPr>
             <a:r>
-              <a:rPr lang="en-US" sz="1200" dirty="0" smtClean="0"/>
+              <a:rPr lang="en-US" sz="1200" dirty="0"/>
               <a:t>// Constructors</a:t>
             </a:r>
           </a:p>
@@ -4602,14 +4568,9 @@
               <a:buNone/>
             </a:pPr>
             <a:r>
-              <a:rPr lang="en-US" sz="1200" dirty="0" smtClean="0"/>
-              <a:t>Animal</a:t>
-            </a:r>
-            <a:r>
-              <a:rPr lang="en-US" sz="1200" dirty="0" smtClean="0"/>
-              <a:t>(){ }</a:t>
-            </a:r>
-            <a:endParaRPr lang="en-US" sz="1200" dirty="0" smtClean="0"/>
+              <a:rPr lang="en-US" sz="1200" dirty="0"/>
+              <a:t>Animal(){ }</a:t>
+            </a:r>
           </a:p>
           <a:p>
             <a:pPr lvl="1">
@@ -4618,7 +4579,7 @@
               </a:spcBef>
               <a:buNone/>
             </a:pPr>
-            <a:endParaRPr lang="en-US" sz="1200" dirty="0" smtClean="0"/>
+            <a:endParaRPr lang="en-US" sz="1200" dirty="0"/>
           </a:p>
           <a:p>
             <a:pPr lvl="1">
@@ -4628,7 +4589,7 @@
               <a:buNone/>
             </a:pPr>
             <a:r>
-              <a:rPr lang="en-US" sz="1200" dirty="0" smtClean="0"/>
+              <a:rPr lang="en-US" sz="1200" dirty="0"/>
               <a:t>Animal(String name, String color){</a:t>
             </a:r>
           </a:p>
@@ -4640,15 +4601,15 @@
               <a:buNone/>
             </a:pPr>
             <a:r>
-              <a:rPr lang="en-US" sz="1200" b="1" dirty="0" smtClean="0"/>
+              <a:rPr lang="en-US" sz="1200" b="1" dirty="0"/>
               <a:t>	this(</a:t>
             </a:r>
             <a:r>
-              <a:rPr lang="en-US" sz="1200" b="1" dirty="0" err="1" smtClean="0"/>
+              <a:rPr lang="en-US" sz="1200" b="1" dirty="0" err="1"/>
               <a:t>name,color</a:t>
             </a:r>
             <a:r>
-              <a:rPr lang="en-US" sz="1200" b="1" dirty="0" smtClean="0"/>
+              <a:rPr lang="en-US" sz="1200" b="1" dirty="0"/>
               <a:t>, 0.0);</a:t>
             </a:r>
           </a:p>
@@ -4660,7 +4621,7 @@
               <a:buNone/>
             </a:pPr>
             <a:r>
-              <a:rPr lang="en-US" sz="1200" dirty="0" smtClean="0"/>
+              <a:rPr lang="en-US" sz="1200" dirty="0"/>
               <a:t>}</a:t>
             </a:r>
           </a:p>
@@ -4671,7 +4632,7 @@
               </a:spcBef>
               <a:buNone/>
             </a:pPr>
-            <a:endParaRPr lang="en-US" sz="1200" dirty="0" smtClean="0"/>
+            <a:endParaRPr lang="en-US" sz="1200" dirty="0"/>
           </a:p>
           <a:p>
             <a:pPr lvl="1">
@@ -4681,11 +4642,11 @@
               <a:buNone/>
             </a:pPr>
             <a:r>
-              <a:rPr lang="en-US" sz="1200" dirty="0" smtClean="0"/>
+              <a:rPr lang="en-US" sz="1200" dirty="0"/>
               <a:t>Animal(String name, String color, </a:t>
             </a:r>
             <a:r>
-              <a:rPr lang="en-US" sz="1200" b="1" dirty="0" smtClean="0"/>
+              <a:rPr lang="en-US" sz="1200" b="1" dirty="0"/>
               <a:t>double weight){</a:t>
             </a:r>
           </a:p>
@@ -4697,7 +4658,7 @@
               <a:buNone/>
             </a:pPr>
             <a:r>
-              <a:rPr lang="en-US" sz="1200" b="1" dirty="0" smtClean="0"/>
+              <a:rPr lang="en-US" sz="1200" b="1" dirty="0"/>
               <a:t>this.name = name;</a:t>
             </a:r>
           </a:p>
@@ -4709,11 +4670,11 @@
               <a:buNone/>
             </a:pPr>
             <a:r>
-              <a:rPr lang="en-US" sz="1200" b="1" dirty="0" err="1" smtClean="0"/>
+              <a:rPr lang="en-US" sz="1200" b="1" dirty="0" err="1"/>
               <a:t>this.color</a:t>
             </a:r>
             <a:r>
-              <a:rPr lang="en-US" sz="1200" b="1" dirty="0" smtClean="0"/>
+              <a:rPr lang="en-US" sz="1200" b="1" dirty="0"/>
               <a:t> = color;</a:t>
             </a:r>
           </a:p>
@@ -4725,11 +4686,11 @@
               <a:buNone/>
             </a:pPr>
             <a:r>
-              <a:rPr lang="en-US" sz="1200" b="1" dirty="0" err="1" smtClean="0"/>
+              <a:rPr lang="en-US" sz="1200" b="1" dirty="0" err="1"/>
               <a:t>this.weight</a:t>
             </a:r>
             <a:r>
-              <a:rPr lang="en-US" sz="1200" b="1" dirty="0" smtClean="0"/>
+              <a:rPr lang="en-US" sz="1200" b="1" dirty="0"/>
               <a:t> = weight;</a:t>
             </a:r>
           </a:p>
@@ -4741,10 +4702,9 @@
               <a:buNone/>
             </a:pPr>
             <a:r>
-              <a:rPr lang="en-US" sz="1200" dirty="0" smtClean="0"/>
+              <a:rPr lang="en-US" sz="1200" dirty="0"/>
               <a:t>	}</a:t>
             </a:r>
-            <a:endParaRPr lang="en-US" sz="1200" dirty="0" smtClean="0"/>
           </a:p>
           <a:p>
             <a:pPr>
@@ -4753,7 +4713,7 @@
               </a:spcBef>
               <a:buNone/>
             </a:pPr>
-            <a:endParaRPr lang="en-US" sz="1200" dirty="0" smtClean="0"/>
+            <a:endParaRPr lang="en-US" sz="1200" dirty="0"/>
           </a:p>
           <a:p>
             <a:pPr lvl="1">
@@ -4763,7 +4723,7 @@
               <a:buNone/>
             </a:pPr>
             <a:r>
-              <a:rPr lang="en-US" sz="1200" dirty="0" smtClean="0"/>
+              <a:rPr lang="en-US" sz="1200" dirty="0"/>
               <a:t>// Concrete methods</a:t>
             </a:r>
           </a:p>
@@ -4775,7 +4735,7 @@
               <a:buNone/>
             </a:pPr>
             <a:r>
-              <a:rPr lang="en-US" sz="1200" b="1" dirty="0" smtClean="0"/>
+              <a:rPr lang="en-US" sz="1200" b="1" dirty="0"/>
               <a:t>public void eat(){</a:t>
             </a:r>
           </a:p>
@@ -4787,24 +4747,20 @@
               <a:buNone/>
             </a:pPr>
             <a:r>
-              <a:rPr lang="en-US" sz="1200" dirty="0" smtClean="0"/>
+              <a:rPr lang="en-US" sz="1200" dirty="0"/>
               <a:t>	</a:t>
             </a:r>
             <a:r>
-              <a:rPr lang="en-US" sz="1200" dirty="0" err="1" smtClean="0"/>
+              <a:rPr lang="en-US" sz="1200" dirty="0" err="1"/>
               <a:t>System.</a:t>
             </a:r>
             <a:r>
-              <a:rPr lang="en-US" sz="1200" b="1" i="1" dirty="0" err="1" smtClean="0"/>
+              <a:rPr lang="en-US" sz="1200" b="1" i="1" dirty="0" err="1"/>
               <a:t>out.println</a:t>
             </a:r>
             <a:r>
-              <a:rPr lang="en-US" sz="1200" b="1" i="1" dirty="0" smtClean="0"/>
-              <a:t>(name </a:t>
-            </a:r>
-            <a:r>
-              <a:rPr lang="en-US" sz="1200" b="1" i="1" dirty="0" smtClean="0"/>
-              <a:t>+ " eats.");</a:t>
+              <a:rPr lang="en-US" sz="1200" b="1" i="1" dirty="0"/>
+              <a:t>(name + " eats.");</a:t>
             </a:r>
           </a:p>
           <a:p>
@@ -4815,7 +4771,7 @@
               <a:buNone/>
             </a:pPr>
             <a:r>
-              <a:rPr lang="en-US" sz="1200" dirty="0" smtClean="0"/>
+              <a:rPr lang="en-US" sz="1200" dirty="0"/>
               <a:t>}</a:t>
             </a:r>
           </a:p>
@@ -4826,7 +4782,7 @@
               </a:spcBef>
               <a:buNone/>
             </a:pPr>
-            <a:endParaRPr lang="en-US" sz="1200" dirty="0" smtClean="0"/>
+            <a:endParaRPr lang="en-US" sz="1200" dirty="0"/>
           </a:p>
           <a:p>
             <a:pPr lvl="1">
@@ -4836,7 +4792,7 @@
               <a:buNone/>
             </a:pPr>
             <a:r>
-              <a:rPr lang="en-US" sz="1200" dirty="0" smtClean="0"/>
+              <a:rPr lang="en-US" sz="1200" dirty="0"/>
               <a:t>// abstract methods</a:t>
             </a:r>
           </a:p>
@@ -4848,15 +4804,15 @@
               <a:buNone/>
             </a:pPr>
             <a:r>
-              <a:rPr lang="en-US" sz="1200" b="1" dirty="0" smtClean="0"/>
+              <a:rPr lang="en-US" sz="1200" b="1" dirty="0"/>
               <a:t>public abstract void </a:t>
             </a:r>
             <a:r>
-              <a:rPr lang="en-US" sz="1200" b="1" dirty="0" err="1" smtClean="0"/>
+              <a:rPr lang="en-US" sz="1200" b="1" dirty="0" err="1"/>
               <a:t>makeSound</a:t>
             </a:r>
             <a:r>
-              <a:rPr lang="en-US" sz="1200" b="1" dirty="0" smtClean="0"/>
+              <a:rPr lang="en-US" sz="1200" b="1" dirty="0"/>
               <a:t>();</a:t>
             </a:r>
           </a:p>
@@ -4868,10 +4824,10 @@
               <a:buNone/>
             </a:pPr>
             <a:r>
-              <a:rPr lang="en-US" sz="1200" dirty="0" smtClean="0"/>
+              <a:rPr lang="en-US" sz="1200" dirty="0"/>
               <a:t>}</a:t>
             </a:r>
-            <a:endParaRPr lang="en-US" altLang="en-US" sz="1200" dirty="0" smtClean="0"/>
+            <a:endParaRPr lang="en-US" altLang="en-US" sz="1200" dirty="0"/>
           </a:p>
         </p:txBody>
       </p:sp>
@@ -4921,7 +4877,7 @@
           <a:lstStyle/>
           <a:p>
             <a:r>
-              <a:rPr lang="en-US" altLang="en-US" dirty="0" smtClean="0"/>
+              <a:rPr lang="en-US" altLang="en-US" dirty="0"/>
               <a:t>Extending an abstract class</a:t>
             </a:r>
             <a:endParaRPr lang="en-US" dirty="0"/>
@@ -4944,63 +4900,29 @@
           <a:lstStyle/>
           <a:p>
             <a:r>
-              <a:rPr lang="en-US" dirty="0" smtClean="0"/>
-              <a:t>A class </a:t>
-            </a:r>
-            <a:r>
-              <a:rPr lang="en-US" dirty="0" smtClean="0"/>
-              <a:t>normally extends an abstract class.</a:t>
-            </a:r>
-            <a:endParaRPr lang="en-US" dirty="0" smtClean="0"/>
-          </a:p>
-          <a:p>
-            <a:r>
-              <a:rPr lang="en-US" dirty="0" smtClean="0"/>
-              <a:t>When a class </a:t>
-            </a:r>
-            <a:r>
-              <a:rPr lang="en-US" dirty="0" smtClean="0"/>
-              <a:t>extends an abstract class, the </a:t>
-            </a:r>
-            <a:r>
-              <a:rPr lang="en-US" b="1" dirty="0" smtClean="0"/>
-              <a:t>class must override all the </a:t>
-            </a:r>
-            <a:r>
-              <a:rPr lang="en-US" b="1" dirty="0" smtClean="0"/>
-              <a:t>abstract methods</a:t>
-            </a:r>
-            <a:r>
-              <a:rPr lang="en-US" dirty="0" smtClean="0"/>
-              <a:t> </a:t>
-            </a:r>
-            <a:r>
-              <a:rPr lang="en-US" dirty="0" smtClean="0"/>
-              <a:t>declared in the interface. </a:t>
-            </a:r>
-          </a:p>
-          <a:p>
-            <a:r>
-              <a:rPr lang="en-US" dirty="0" smtClean="0"/>
-              <a:t>If a class does not </a:t>
-            </a:r>
-            <a:r>
-              <a:rPr lang="en-US" dirty="0" smtClean="0"/>
-              <a:t>override all </a:t>
-            </a:r>
-            <a:r>
-              <a:rPr lang="en-US" dirty="0" smtClean="0"/>
-              <a:t>the behaviors/methods of </a:t>
-            </a:r>
-            <a:r>
-              <a:rPr lang="en-US" dirty="0" smtClean="0"/>
-              <a:t>the abstract parent class, </a:t>
-            </a:r>
-            <a:r>
-              <a:rPr lang="en-US" dirty="0" smtClean="0"/>
-              <a:t>the class must declare itself as abstract.</a:t>
-            </a:r>
-            <a:endParaRPr lang="en-US" dirty="0"/>
+              <a:rPr lang="en-US" dirty="0"/>
+              <a:t>A class normally extends an abstract class.</a:t>
+            </a:r>
+          </a:p>
+          <a:p>
+            <a:r>
+              <a:rPr lang="en-US" dirty="0"/>
+              <a:t>When a class extends an abstract class, the </a:t>
+            </a:r>
+            <a:r>
+              <a:rPr lang="en-US" b="1" dirty="0"/>
+              <a:t>class must override all the abstract methods</a:t>
+            </a:r>
+            <a:r>
+              <a:rPr lang="en-US" dirty="0"/>
+              <a:t> declared in the interface. </a:t>
+            </a:r>
+          </a:p>
+          <a:p>
+            <a:r>
+              <a:rPr lang="en-US" dirty="0"/>
+              <a:t>If a class does not override all the behaviors/methods of the abstract parent class, the class must declare itself as abstract.</a:t>
+            </a:r>
           </a:p>
         </p:txBody>
       </p:sp>
@@ -5047,12 +4969,8 @@
           <a:lstStyle/>
           <a:p>
             <a:r>
-              <a:rPr lang="en-US" altLang="en-US" dirty="0" smtClean="0"/>
-              <a:t>Extending an abstract </a:t>
-            </a:r>
-            <a:r>
-              <a:rPr lang="en-US" altLang="en-US" dirty="0" smtClean="0"/>
-              <a:t>class - example</a:t>
+              <a:rPr lang="en-US" altLang="en-US" dirty="0"/>
+              <a:t>Extending an abstract class - example</a:t>
             </a:r>
             <a:endParaRPr lang="en-US" dirty="0"/>
           </a:p>
@@ -5104,12 +5022,8 @@
               <a:buNone/>
             </a:pPr>
             <a:r>
-              <a:rPr lang="en-US" sz="1600" dirty="0" smtClean="0"/>
-              <a:t>	name </a:t>
-            </a:r>
-            <a:r>
               <a:rPr lang="en-US" sz="1600" dirty="0"/>
-              <a:t>= "Bird";</a:t>
+              <a:t>	name = "Bird";</a:t>
             </a:r>
           </a:p>
           <a:p>
@@ -5173,15 +5087,15 @@
               <a:buNone/>
             </a:pPr>
             <a:r>
-              <a:rPr lang="en-US" sz="1600" dirty="0" smtClean="0"/>
+              <a:rPr lang="en-US" sz="1600" dirty="0"/>
               <a:t>	</a:t>
             </a:r>
             <a:r>
-              <a:rPr lang="en-US" sz="1600" dirty="0" err="1" smtClean="0"/>
+              <a:rPr lang="en-US" sz="1600" dirty="0" err="1"/>
               <a:t>System.</a:t>
             </a:r>
             <a:r>
-              <a:rPr lang="en-US" sz="1600" b="1" i="1" dirty="0" err="1" smtClean="0"/>
+              <a:rPr lang="en-US" sz="1600" b="1" i="1" dirty="0" err="1"/>
               <a:t>out.println</a:t>
             </a:r>
             <a:r>
@@ -5197,19 +5111,6 @@
               <a:buNone/>
             </a:pPr>
             <a:r>
-              <a:rPr lang="en-US" sz="1600" dirty="0" smtClean="0"/>
-              <a:t>}</a:t>
-            </a:r>
-            <a:endParaRPr lang="en-US" sz="1600" dirty="0"/>
-          </a:p>
-          <a:p>
-            <a:pPr marL="0" indent="0">
-              <a:spcBef>
-                <a:spcPts val="0"/>
-              </a:spcBef>
-              <a:buNone/>
-            </a:pPr>
-            <a:r>
               <a:rPr lang="en-US" sz="1600" dirty="0"/>
               <a:t>}</a:t>
             </a:r>
@@ -5221,6 +5122,18 @@
               </a:spcBef>
               <a:buNone/>
             </a:pPr>
+            <a:r>
+              <a:rPr lang="en-US" sz="1600" dirty="0"/>
+              <a:t>}</a:t>
+            </a:r>
+          </a:p>
+          <a:p>
+            <a:pPr marL="0" indent="0">
+              <a:spcBef>
+                <a:spcPts val="0"/>
+              </a:spcBef>
+              <a:buNone/>
+            </a:pPr>
             <a:endParaRPr lang="en-US" sz="1600" dirty="0"/>
           </a:p>
           <a:p>
@@ -5255,12 +5168,8 @@
               <a:buNone/>
             </a:pPr>
             <a:r>
-              <a:rPr lang="en-US" sz="1600" dirty="0" smtClean="0"/>
-              <a:t>	name </a:t>
-            </a:r>
-            <a:r>
               <a:rPr lang="en-US" sz="1600" dirty="0"/>
-              <a:t>= "Tiger";</a:t>
+              <a:t>	name = "Tiger";</a:t>
             </a:r>
           </a:p>
           <a:p>
@@ -5315,15 +5224,15 @@
               <a:buNone/>
             </a:pPr>
             <a:r>
-              <a:rPr lang="en-US" sz="1600" dirty="0" smtClean="0"/>
+              <a:rPr lang="en-US" sz="1600" dirty="0"/>
               <a:t>	</a:t>
             </a:r>
             <a:r>
-              <a:rPr lang="en-US" sz="1600" dirty="0" err="1" smtClean="0"/>
+              <a:rPr lang="en-US" sz="1600" dirty="0" err="1"/>
               <a:t>System.</a:t>
             </a:r>
             <a:r>
-              <a:rPr lang="en-US" sz="1600" b="1" i="1" dirty="0" err="1" smtClean="0"/>
+              <a:rPr lang="en-US" sz="1600" b="1" i="1" dirty="0" err="1"/>
               <a:t>out.println</a:t>
             </a:r>
             <a:r>
@@ -5354,7 +5263,6 @@
               <a:rPr lang="en-US" sz="1600" dirty="0"/>
               <a:t>}</a:t>
             </a:r>
-            <a:endParaRPr lang="en-US" sz="1600" dirty="0"/>
           </a:p>
         </p:txBody>
       </p:sp>
@@ -5409,7 +5317,7 @@
               <a:defRPr/>
             </a:pPr>
             <a:r>
-              <a:rPr lang="en-US" altLang="en-US" dirty="0" smtClean="0"/>
+              <a:rPr lang="en-US" altLang="en-US" dirty="0"/>
               <a:t>Extending an abstract class - example</a:t>
             </a:r>
             <a:endParaRPr lang="en-US" dirty="0"/>
@@ -5567,7 +5475,7 @@
               </a:spcBef>
               <a:buNone/>
             </a:pPr>
-            <a:endParaRPr lang="en-US" altLang="en-US" sz="1600" dirty="0" smtClean="0"/>
+            <a:endParaRPr lang="en-US" altLang="en-US" sz="1600" dirty="0"/>
           </a:p>
         </p:txBody>
       </p:sp>
@@ -5598,7 +5506,7 @@
           <a:lstStyle/>
           <a:p>
             <a:r>
-              <a:rPr lang="en-US" dirty="0" smtClean="0"/>
+              <a:rPr lang="en-US" dirty="0"/>
               <a:t>Output:</a:t>
             </a:r>
           </a:p>
@@ -5622,7 +5530,7 @@
           </a:p>
           <a:p>
             <a:r>
-              <a:rPr lang="en-US" sz="1400" dirty="0" smtClean="0"/>
+              <a:rPr lang="en-US" sz="1400" dirty="0"/>
               <a:t>Roar</a:t>
             </a:r>
             <a:endParaRPr lang="en-US" dirty="0"/>
@@ -5681,14 +5589,9 @@
               <a:defRPr/>
             </a:pPr>
             <a:r>
-              <a:rPr lang="en-US" dirty="0" smtClean="0"/>
-              <a:t>Abstract Class </a:t>
-            </a:r>
-            <a:r>
-              <a:rPr lang="en-US" dirty="0" smtClean="0"/>
-              <a:t>– another example</a:t>
-            </a:r>
-            <a:endParaRPr lang="en-US" dirty="0"/>
+              <a:rPr lang="en-US" dirty="0"/>
+              <a:t>Abstract Class – another example</a:t>
+            </a:r>
           </a:p>
         </p:txBody>
       </p:sp>
@@ -5852,7 +5755,7 @@
               <a:pPr eaLnBrk="1" hangingPunct="1"/>
               <a:t>15</a:t>
             </a:fld>
-            <a:endParaRPr lang="en-US" altLang="en-US" smtClean="0">
+            <a:endParaRPr lang="en-US" altLang="en-US">
               <a:solidFill>
                 <a:srgbClr val="FFFFFF"/>
               </a:solidFill>
@@ -6950,10 +6853,9 @@
               <a:defRPr/>
             </a:pPr>
             <a:r>
-              <a:rPr lang="en-US" dirty="0" smtClean="0"/>
+              <a:rPr lang="en-US" dirty="0"/>
               <a:t>Abstraction vs. encapsulation</a:t>
             </a:r>
-            <a:endParaRPr lang="en-US" dirty="0"/>
           </a:p>
         </p:txBody>
       </p:sp>
@@ -6979,28 +6881,28 @@
           <a:p>
             <a:pPr eaLnBrk="1" hangingPunct="1"/>
             <a:r>
-              <a:rPr lang="en-US" altLang="en-US" smtClean="0"/>
+              <a:rPr lang="en-US" altLang="en-US"/>
               <a:t>Abstraction represent taking out the behavior from how exactly its implemented, </a:t>
             </a:r>
           </a:p>
           <a:p>
             <a:pPr lvl="1" eaLnBrk="1" hangingPunct="1"/>
             <a:r>
-              <a:rPr lang="en-US" altLang="en-US" smtClean="0"/>
+              <a:rPr lang="en-US" altLang="en-US"/>
               <a:t>one example of abstraction in Java is interface</a:t>
             </a:r>
           </a:p>
           <a:p>
             <a:pPr eaLnBrk="1" hangingPunct="1"/>
             <a:r>
-              <a:rPr lang="en-US" altLang="en-US" smtClean="0"/>
+              <a:rPr lang="en-US" altLang="en-US"/>
               <a:t>Encapsulation means hiding details of implementation from outside world so that when things change no body gets affected. </a:t>
             </a:r>
           </a:p>
           <a:p>
             <a:pPr lvl="1" eaLnBrk="1" hangingPunct="1"/>
             <a:r>
-              <a:rPr lang="en-US" altLang="en-US" smtClean="0"/>
+              <a:rPr lang="en-US" altLang="en-US"/>
               <a:t>One example of Encapsulation in Java is private methods; clients  don't care about it, You can change, amend or even remove that method  if that method is not encapsulated and it were public all your clients would have been affected.</a:t>
             </a:r>
           </a:p>
@@ -7050,10 +6952,9 @@
               <a:defRPr/>
             </a:pPr>
             <a:r>
-              <a:rPr lang="en-US" dirty="0" smtClean="0"/>
+              <a:rPr lang="en-US" dirty="0"/>
               <a:t>Abstraction vs. encapsulation</a:t>
             </a:r>
-            <a:endParaRPr lang="en-US" dirty="0"/>
           </a:p>
         </p:txBody>
       </p:sp>
@@ -7083,7 +6984,7 @@
               <a:defRPr/>
             </a:pPr>
             <a:r>
-              <a:rPr lang="en-US" altLang="en-US" dirty="0" smtClean="0"/>
+              <a:rPr lang="en-US" altLang="en-US" dirty="0"/>
               <a:t>Encapsulation(hiding complexity) implements of abstraction(show what is only necessary)</a:t>
             </a:r>
           </a:p>
@@ -7094,7 +6995,7 @@
               <a:defRPr/>
             </a:pPr>
             <a:r>
-              <a:rPr lang="en-US" altLang="en-US" dirty="0" smtClean="0"/>
+              <a:rPr lang="en-US" altLang="en-US" dirty="0"/>
               <a:t>Abstraction is the thought process or model</a:t>
             </a:r>
           </a:p>
@@ -7105,7 +7006,7 @@
               <a:defRPr/>
             </a:pPr>
             <a:r>
-              <a:rPr lang="en-US" altLang="en-US" dirty="0" smtClean="0"/>
+              <a:rPr lang="en-US" altLang="en-US" dirty="0"/>
               <a:t>Encapsulation is the implementation</a:t>
             </a:r>
           </a:p>
@@ -7168,10 +7069,9 @@
           <a:p>
             <a:pPr algn="ctr"/>
             <a:r>
-              <a:rPr lang="en-US" sz="4800" dirty="0" smtClean="0"/>
+              <a:rPr lang="en-US" sz="4800" dirty="0"/>
               <a:t>Interface</a:t>
             </a:r>
-            <a:endParaRPr lang="en-US" sz="4800" dirty="0"/>
           </a:p>
         </p:txBody>
       </p:sp>
@@ -7222,7 +7122,7 @@
               <a:defRPr/>
             </a:pPr>
             <a:r>
-              <a:rPr lang="en-US" altLang="en-US" dirty="0" smtClean="0"/>
+              <a:rPr lang="en-US" altLang="en-US" dirty="0"/>
               <a:t>Interface</a:t>
             </a:r>
           </a:p>
@@ -7252,11 +7152,11 @@
               <a:defRPr/>
             </a:pPr>
             <a:r>
-              <a:rPr lang="en-US" dirty="0" smtClean="0"/>
+              <a:rPr lang="en-US" dirty="0"/>
               <a:t>Using the keyword </a:t>
             </a:r>
             <a:r>
-              <a:rPr lang="en-US" b="1" dirty="0" smtClean="0"/>
+              <a:rPr lang="en-US" b="1" dirty="0"/>
               <a:t>interface, you can fully abstract a class’ interface from its implementation.</a:t>
             </a:r>
           </a:p>
@@ -7268,11 +7168,11 @@
               <a:defRPr/>
             </a:pPr>
             <a:r>
-              <a:rPr lang="en-US" dirty="0" smtClean="0"/>
+              <a:rPr lang="en-US" dirty="0"/>
               <a:t>That is, using </a:t>
             </a:r>
             <a:r>
-              <a:rPr lang="en-US" b="1" dirty="0" smtClean="0"/>
+              <a:rPr lang="en-US" b="1" dirty="0"/>
               <a:t>interface, you can specify what a class must do, but not how it does it. </a:t>
             </a:r>
           </a:p>
@@ -7284,11 +7184,11 @@
               <a:defRPr/>
             </a:pPr>
             <a:r>
-              <a:rPr lang="en-US" dirty="0" smtClean="0"/>
+              <a:rPr lang="en-US" dirty="0"/>
               <a:t>Once it is defined, </a:t>
             </a:r>
             <a:r>
-              <a:rPr lang="en-US" b="1" i="1" dirty="0" smtClean="0"/>
+              <a:rPr lang="en-US" b="1" i="1" dirty="0"/>
               <a:t>any number of classes can implement an interface. </a:t>
             </a:r>
           </a:p>
@@ -7300,11 +7200,11 @@
               <a:defRPr/>
             </a:pPr>
             <a:r>
-              <a:rPr lang="en-US" b="1" dirty="0" smtClean="0"/>
+              <a:rPr lang="en-US" b="1" dirty="0"/>
               <a:t>Also, one class can implement any number of interfaces</a:t>
             </a:r>
             <a:r>
-              <a:rPr lang="en-US" dirty="0" smtClean="0"/>
+              <a:rPr lang="en-US" dirty="0"/>
               <a:t>.</a:t>
             </a:r>
           </a:p>
@@ -7354,10 +7254,9 @@
               <a:defRPr/>
             </a:pPr>
             <a:r>
-              <a:rPr lang="en-US" dirty="0" smtClean="0"/>
+              <a:rPr lang="en-US" dirty="0"/>
               <a:t>Meaning of Abstract</a:t>
             </a:r>
-            <a:endParaRPr lang="en-US" dirty="0"/>
           </a:p>
         </p:txBody>
       </p:sp>
@@ -7383,28 +7282,28 @@
           <a:p>
             <a:pPr algn="just" eaLnBrk="1" hangingPunct="1"/>
             <a:r>
-              <a:rPr lang="en-US" altLang="en-US" smtClean="0"/>
+              <a:rPr lang="en-US" altLang="en-US"/>
               <a:t>Adjective</a:t>
             </a:r>
           </a:p>
           <a:p>
             <a:pPr lvl="1" algn="just" eaLnBrk="1" hangingPunct="1"/>
             <a:r>
-              <a:rPr lang="en-US" altLang="en-US" smtClean="0"/>
+              <a:rPr lang="en-US" altLang="en-US"/>
               <a:t>existing in thought or as an idea but not having a physical or concrete existence.</a:t>
             </a:r>
           </a:p>
           <a:p>
             <a:pPr algn="just" eaLnBrk="1" hangingPunct="1"/>
             <a:r>
-              <a:rPr lang="en-US" altLang="en-US" smtClean="0"/>
+              <a:rPr lang="en-US" altLang="en-US"/>
               <a:t>Verb:</a:t>
             </a:r>
           </a:p>
           <a:p>
             <a:pPr lvl="1" algn="just" eaLnBrk="1" hangingPunct="1"/>
             <a:r>
-              <a:rPr lang="en-US" altLang="en-US" smtClean="0"/>
+              <a:rPr lang="en-US" altLang="en-US"/>
               <a:t>consider something theoretically or separately from (something else).</a:t>
             </a:r>
           </a:p>
@@ -7488,13 +7387,8 @@
             </a:r>
             <a:r>
               <a:rPr lang="en-US" dirty="0"/>
-              <a:t>are syntactically similar to classes, but they </a:t>
-            </a:r>
-            <a:r>
-              <a:rPr lang="en-US" dirty="0" smtClean="0"/>
-              <a:t>can only</a:t>
-            </a:r>
-            <a:endParaRPr lang="en-US" dirty="0"/>
+              <a:t>are syntactically similar to classes, but they can only</a:t>
+            </a:r>
           </a:p>
           <a:p>
             <a:pPr marL="457517" lvl="1" indent="-182880" eaLnBrk="1" fontAlgn="auto" hangingPunct="1">
@@ -7504,27 +7398,27 @@
               <a:defRPr/>
             </a:pPr>
             <a:r>
-              <a:rPr lang="en-US" dirty="0" smtClean="0"/>
+              <a:rPr lang="en-US" dirty="0"/>
               <a:t>Have </a:t>
             </a:r>
             <a:r>
-              <a:rPr lang="en-US" b="1" dirty="0" smtClean="0"/>
+              <a:rPr lang="en-US" b="1" dirty="0"/>
               <a:t>fields </a:t>
             </a:r>
             <a:r>
-              <a:rPr lang="en-US" dirty="0" smtClean="0"/>
+              <a:rPr lang="en-US" dirty="0"/>
               <a:t>that are </a:t>
             </a:r>
             <a:r>
-              <a:rPr lang="en-US" altLang="en-US" b="1" dirty="0" smtClean="0"/>
+              <a:rPr lang="en-US" altLang="en-US" b="1" dirty="0"/>
               <a:t>final</a:t>
             </a:r>
             <a:r>
-              <a:rPr lang="en-US" altLang="en-US" dirty="0" smtClean="0"/>
+              <a:rPr lang="en-US" altLang="en-US" dirty="0"/>
               <a:t> and </a:t>
             </a:r>
             <a:r>
-              <a:rPr lang="en-US" altLang="en-US" b="1" dirty="0" smtClean="0"/>
+              <a:rPr lang="en-US" altLang="en-US" b="1" dirty="0"/>
               <a:t>static. (</a:t>
             </a:r>
             <a:r>
@@ -7532,10 +7426,10 @@
               <a:t>even if they are not explicitly declared as such.</a:t>
             </a:r>
             <a:r>
-              <a:rPr lang="en-US" altLang="en-US" b="1" dirty="0" smtClean="0"/>
+              <a:rPr lang="en-US" altLang="en-US" b="1" dirty="0"/>
               <a:t>)</a:t>
             </a:r>
-            <a:endParaRPr lang="en-US" dirty="0" smtClean="0"/>
+            <a:endParaRPr lang="en-US" dirty="0"/>
           </a:p>
           <a:p>
             <a:pPr marL="457517" lvl="1" indent="-182880" eaLnBrk="1" fontAlgn="auto" hangingPunct="1">
@@ -7545,49 +7439,45 @@
               <a:defRPr/>
             </a:pPr>
             <a:r>
-              <a:rPr lang="en-US" dirty="0" smtClean="0"/>
+              <a:rPr lang="en-US" dirty="0"/>
               <a:t>Can contains only </a:t>
             </a:r>
             <a:r>
-              <a:rPr lang="en-US" b="1" dirty="0" smtClean="0"/>
+              <a:rPr lang="en-US" b="1" dirty="0"/>
               <a:t>public abstract</a:t>
             </a:r>
             <a:r>
-              <a:rPr lang="en-US" dirty="0" smtClean="0"/>
+              <a:rPr lang="en-US" dirty="0"/>
               <a:t> </a:t>
             </a:r>
             <a:r>
-              <a:rPr lang="en-US" b="1" dirty="0" smtClean="0"/>
+              <a:rPr lang="en-US" b="1" dirty="0"/>
               <a:t>methods. (</a:t>
             </a:r>
             <a:r>
               <a:rPr lang="en-US" altLang="en-US" dirty="0"/>
-              <a:t>even though the interface might not say </a:t>
-            </a:r>
-            <a:r>
-              <a:rPr lang="en-US" altLang="en-US" dirty="0" smtClean="0"/>
-              <a:t>so)</a:t>
+              <a:t>even though the interface might not say so)</a:t>
             </a:r>
             <a:endParaRPr lang="en-US" dirty="0"/>
           </a:p>
           <a:p>
             <a:pPr eaLnBrk="1" hangingPunct="1"/>
             <a:r>
-              <a:rPr lang="en-US" altLang="en-US" dirty="0" smtClean="0"/>
+              <a:rPr lang="en-US" altLang="en-US" dirty="0"/>
               <a:t>Interfaces have the same access levels as classes, public and package.</a:t>
             </a:r>
           </a:p>
           <a:p>
             <a:pPr eaLnBrk="1" hangingPunct="1"/>
             <a:r>
-              <a:rPr lang="en-US" altLang="en-US" dirty="0" smtClean="0"/>
+              <a:rPr lang="en-US" altLang="en-US" dirty="0"/>
               <a:t>An interface, like a class, defines a type. </a:t>
             </a:r>
           </a:p>
           <a:p>
             <a:pPr lvl="1" eaLnBrk="1" hangingPunct="1"/>
             <a:r>
-              <a:rPr lang="en-US" altLang="en-US" dirty="0" smtClean="0"/>
+              <a:rPr lang="en-US" altLang="en-US" dirty="0"/>
               <a:t>Fields, variables, and parameters can be declared to be of a type defined by an interface.</a:t>
             </a:r>
           </a:p>
@@ -7642,7 +7532,7 @@
               <a:defRPr/>
             </a:pPr>
             <a:r>
-              <a:rPr lang="en-US" altLang="en-US" dirty="0" smtClean="0"/>
+              <a:rPr lang="en-US" altLang="en-US" dirty="0"/>
               <a:t>Interface – What can’t do</a:t>
             </a:r>
             <a:endParaRPr lang="en-US" dirty="0"/>
@@ -7666,51 +7556,51 @@
           <a:p>
             <a:pPr eaLnBrk="1" hangingPunct="1"/>
             <a:r>
-              <a:rPr lang="en-US" altLang="en-US" dirty="0" smtClean="0"/>
+              <a:rPr lang="en-US" altLang="en-US" dirty="0"/>
               <a:t>Interfaces can not have</a:t>
             </a:r>
           </a:p>
           <a:p>
             <a:pPr lvl="1" eaLnBrk="1" hangingPunct="1"/>
             <a:r>
-              <a:rPr lang="en-US" altLang="en-US" dirty="0" smtClean="0"/>
+              <a:rPr lang="en-US" altLang="en-US" dirty="0"/>
               <a:t>instance variables. </a:t>
             </a:r>
           </a:p>
           <a:p>
             <a:pPr lvl="2" eaLnBrk="1" hangingPunct="1"/>
             <a:r>
-              <a:rPr lang="en-US" altLang="en-US" dirty="0" smtClean="0"/>
+              <a:rPr lang="en-US" altLang="en-US" dirty="0"/>
               <a:t>All fields in an interface are </a:t>
             </a:r>
             <a:r>
-              <a:rPr lang="en-US" altLang="en-US" b="1" dirty="0" smtClean="0"/>
+              <a:rPr lang="en-US" altLang="en-US" b="1" dirty="0"/>
               <a:t>final</a:t>
             </a:r>
             <a:r>
-              <a:rPr lang="en-US" altLang="en-US" dirty="0" smtClean="0"/>
+              <a:rPr lang="en-US" altLang="en-US" dirty="0"/>
               <a:t> and </a:t>
             </a:r>
             <a:r>
-              <a:rPr lang="en-US" altLang="en-US" b="1" dirty="0" smtClean="0"/>
+              <a:rPr lang="en-US" altLang="en-US" b="1" dirty="0"/>
               <a:t>static</a:t>
             </a:r>
             <a:r>
-              <a:rPr lang="en-US" altLang="en-US" dirty="0" smtClean="0"/>
+              <a:rPr lang="en-US" altLang="en-US" dirty="0"/>
               <a:t> even if they are not explicitly declared as such.</a:t>
             </a:r>
           </a:p>
           <a:p>
             <a:pPr lvl="1" eaLnBrk="1" hangingPunct="1"/>
             <a:r>
-              <a:rPr lang="en-US" altLang="en-US" dirty="0" smtClean="0"/>
+              <a:rPr lang="en-US" altLang="en-US" dirty="0"/>
               <a:t>Constructor</a:t>
             </a:r>
           </a:p>
           <a:p>
             <a:pPr lvl="1" eaLnBrk="1" hangingPunct="1"/>
             <a:r>
-              <a:rPr lang="en-US" altLang="en-US" dirty="0" smtClean="0"/>
+              <a:rPr lang="en-US" altLang="en-US" dirty="0"/>
               <a:t>Normal/concrete method</a:t>
             </a:r>
           </a:p>
@@ -7725,7 +7615,7 @@
             <a:pPr lvl="1" eaLnBrk="1" hangingPunct="1">
               <a:buNone/>
             </a:pPr>
-            <a:endParaRPr lang="en-US" altLang="en-US" dirty="0" smtClean="0"/>
+            <a:endParaRPr lang="en-US" altLang="en-US" dirty="0"/>
           </a:p>
         </p:txBody>
       </p:sp>
@@ -7773,7 +7663,7 @@
               <a:defRPr/>
             </a:pPr>
             <a:r>
-              <a:rPr lang="en-US" altLang="en-US" dirty="0" smtClean="0"/>
+              <a:rPr lang="en-US" altLang="en-US" dirty="0"/>
               <a:t>Interface – how to declare</a:t>
             </a:r>
             <a:endParaRPr lang="en-US" dirty="0"/>
@@ -7802,15 +7692,15 @@
               <a:buNone/>
             </a:pPr>
             <a:r>
-              <a:rPr lang="en-US" sz="1600" dirty="0" smtClean="0"/>
+              <a:rPr lang="en-US" sz="1600" dirty="0"/>
               <a:t>public interface </a:t>
             </a:r>
             <a:r>
-              <a:rPr lang="en-US" sz="1600" dirty="0" err="1" smtClean="0"/>
+              <a:rPr lang="en-US" sz="1600" dirty="0" err="1"/>
               <a:t>NameOfInterface</a:t>
             </a:r>
             <a:r>
-              <a:rPr lang="en-US" sz="1600" dirty="0" smtClean="0"/>
+              <a:rPr lang="en-US" sz="1600" dirty="0"/>
               <a:t> { </a:t>
             </a:r>
           </a:p>
@@ -7822,7 +7712,7 @@
               <a:buNone/>
             </a:pPr>
             <a:r>
-              <a:rPr lang="en-US" sz="1600" dirty="0" smtClean="0"/>
+              <a:rPr lang="en-US" sz="1600" dirty="0"/>
               <a:t>	// Any number of final, static fields </a:t>
             </a:r>
           </a:p>
@@ -7834,7 +7724,7 @@
               <a:buNone/>
             </a:pPr>
             <a:r>
-              <a:rPr lang="en-US" sz="1600" dirty="0" smtClean="0"/>
+              <a:rPr lang="en-US" sz="1600" dirty="0"/>
               <a:t>	// Any number of abstract method declarations</a:t>
             </a:r>
           </a:p>
@@ -7846,7 +7736,7 @@
               <a:buNone/>
             </a:pPr>
             <a:r>
-              <a:rPr lang="en-US" sz="1600" dirty="0" smtClean="0"/>
+              <a:rPr lang="en-US" sz="1600" dirty="0"/>
               <a:t>}</a:t>
             </a:r>
           </a:p>
@@ -7857,7 +7747,7 @@
               </a:spcBef>
               <a:buNone/>
             </a:pPr>
-            <a:endParaRPr lang="en-US" sz="1600" dirty="0" smtClean="0"/>
+            <a:endParaRPr lang="en-US" sz="1600" dirty="0"/>
           </a:p>
           <a:p>
             <a:pPr marL="0" indent="0">
@@ -7867,7 +7757,7 @@
               <a:buNone/>
             </a:pPr>
             <a:r>
-              <a:rPr lang="en-US" sz="1600" dirty="0" smtClean="0"/>
+              <a:rPr lang="en-US" sz="1600" dirty="0"/>
               <a:t>Note: </a:t>
             </a:r>
           </a:p>
@@ -7878,7 +7768,7 @@
               </a:spcBef>
               <a:buNone/>
             </a:pPr>
-            <a:endParaRPr lang="en-US" altLang="en-US" sz="1600" dirty="0" smtClean="0"/>
+            <a:endParaRPr lang="en-US" altLang="en-US" sz="1600" dirty="0"/>
           </a:p>
           <a:p>
             <a:pPr marL="0" indent="0">
@@ -7888,10 +7778,10 @@
               <a:buNone/>
             </a:pPr>
             <a:r>
-              <a:rPr lang="en-US" altLang="en-US" dirty="0" smtClean="0"/>
+              <a:rPr lang="en-US" altLang="en-US" dirty="0"/>
               <a:t>Example</a:t>
             </a:r>
-            <a:endParaRPr lang="en-US" altLang="en-US" sz="1600" dirty="0" smtClean="0"/>
+            <a:endParaRPr lang="en-US" altLang="en-US" sz="1600" dirty="0"/>
           </a:p>
           <a:p>
             <a:pPr marL="0" indent="0">
@@ -7901,7 +7791,7 @@
               <a:buNone/>
             </a:pPr>
             <a:r>
-              <a:rPr lang="en-US" sz="1600" dirty="0" smtClean="0"/>
+              <a:rPr lang="en-US" sz="1600" dirty="0"/>
               <a:t>interface Flyable{</a:t>
             </a:r>
           </a:p>
@@ -7913,11 +7803,11 @@
               <a:buNone/>
             </a:pPr>
             <a:r>
-              <a:rPr lang="en-US" sz="1600" dirty="0" smtClean="0"/>
+              <a:rPr lang="en-US" sz="1600" dirty="0"/>
               <a:t>public static final String </a:t>
             </a:r>
             <a:r>
-              <a:rPr lang="en-US" sz="1600" i="1" dirty="0" smtClean="0"/>
+              <a:rPr lang="en-US" sz="1600" i="1" dirty="0"/>
               <a:t>media = "Sky";</a:t>
             </a:r>
           </a:p>
@@ -7928,7 +7818,7 @@
               </a:spcBef>
               <a:buNone/>
             </a:pPr>
-            <a:endParaRPr lang="en-US" sz="1600" dirty="0" smtClean="0"/>
+            <a:endParaRPr lang="en-US" sz="1600" dirty="0"/>
           </a:p>
           <a:p>
             <a:pPr marL="274637" lvl="1" indent="0">
@@ -7938,7 +7828,7 @@
               <a:buNone/>
             </a:pPr>
             <a:r>
-              <a:rPr lang="en-US" sz="1600" dirty="0" smtClean="0"/>
+              <a:rPr lang="en-US" sz="1600" dirty="0"/>
               <a:t>public abstract void fly();</a:t>
             </a:r>
           </a:p>
@@ -7950,23 +7840,23 @@
               <a:buNone/>
             </a:pPr>
             <a:r>
-              <a:rPr lang="en-US" sz="1600" dirty="0" smtClean="0"/>
+              <a:rPr lang="en-US" sz="1600" dirty="0"/>
               <a:t>public abstract </a:t>
             </a:r>
             <a:r>
-              <a:rPr lang="en-US" sz="1600" dirty="0" err="1" smtClean="0"/>
+              <a:rPr lang="en-US" sz="1600" dirty="0" err="1"/>
               <a:t>boolean</a:t>
             </a:r>
             <a:r>
-              <a:rPr lang="en-US" sz="1600" dirty="0" smtClean="0"/>
+              <a:rPr lang="en-US" sz="1600" dirty="0"/>
               <a:t> </a:t>
             </a:r>
             <a:r>
-              <a:rPr lang="en-US" sz="1600" dirty="0" err="1" smtClean="0"/>
+              <a:rPr lang="en-US" sz="1600" dirty="0" err="1"/>
               <a:t>needFuel</a:t>
             </a:r>
             <a:r>
-              <a:rPr lang="en-US" sz="1600" dirty="0" smtClean="0"/>
+              <a:rPr lang="en-US" sz="1600" dirty="0"/>
               <a:t>();</a:t>
             </a:r>
           </a:p>
@@ -7978,10 +7868,10 @@
               <a:buNone/>
             </a:pPr>
             <a:r>
-              <a:rPr lang="en-US" sz="1600" dirty="0" smtClean="0"/>
+              <a:rPr lang="en-US" sz="1600" dirty="0"/>
               <a:t>}</a:t>
             </a:r>
-            <a:endParaRPr lang="en-US" altLang="en-US" sz="1600" dirty="0" smtClean="0"/>
+            <a:endParaRPr lang="en-US" altLang="en-US" sz="1600" dirty="0"/>
           </a:p>
         </p:txBody>
       </p:sp>
@@ -8034,7 +7924,7 @@
               <a:defRPr/>
             </a:pPr>
             <a:r>
-              <a:rPr lang="en-US" altLang="en-US" dirty="0" smtClean="0"/>
+              <a:rPr lang="en-US" altLang="en-US" dirty="0"/>
               <a:t>Interface - how to declare</a:t>
             </a:r>
             <a:endParaRPr lang="en-US" dirty="0"/>
@@ -8062,7 +7952,7 @@
               </a:spcBef>
             </a:pPr>
             <a:r>
-              <a:rPr lang="en-US" sz="2000" dirty="0" smtClean="0"/>
+              <a:rPr lang="en-US" sz="2000" dirty="0"/>
               <a:t>Each method in an interface is implicitly abstract and public, so the abstract keyword and public access modifier may not explicitly mentioned/declared.</a:t>
             </a:r>
           </a:p>
@@ -8072,7 +7962,7 @@
                 <a:spcPts val="0"/>
               </a:spcBef>
             </a:pPr>
-            <a:endParaRPr lang="en-US" sz="2000" dirty="0" smtClean="0"/>
+            <a:endParaRPr lang="en-US" sz="2000" dirty="0"/>
           </a:p>
           <a:p>
             <a:pPr marL="0" indent="0">
@@ -8081,7 +7971,7 @@
               </a:spcBef>
             </a:pPr>
             <a:r>
-              <a:rPr lang="en-US" sz="2000" dirty="0" smtClean="0"/>
+              <a:rPr lang="en-US" sz="2000" dirty="0"/>
               <a:t>Each field in an interface is implicitly public, static and final. So those keyword may not explicitly mentioned/declared.</a:t>
             </a:r>
           </a:p>
@@ -8092,7 +7982,7 @@
               </a:spcBef>
               <a:buNone/>
             </a:pPr>
-            <a:endParaRPr lang="en-US" sz="2000" dirty="0" smtClean="0"/>
+            <a:endParaRPr lang="en-US" sz="2000" dirty="0"/>
           </a:p>
           <a:p>
             <a:pPr marL="0" indent="0">
@@ -8101,7 +7991,7 @@
               </a:spcBef>
             </a:pPr>
             <a:r>
-              <a:rPr lang="en-US" sz="2000" dirty="0" smtClean="0"/>
+              <a:rPr lang="en-US" sz="2000" dirty="0"/>
               <a:t>So, the Flyable interface can be define as below (without the keywords).</a:t>
             </a:r>
           </a:p>
@@ -8111,7 +8001,7 @@
                 <a:spcPts val="0"/>
               </a:spcBef>
             </a:pPr>
-            <a:endParaRPr lang="en-US" altLang="en-US" sz="1600" dirty="0" smtClean="0"/>
+            <a:endParaRPr lang="en-US" altLang="en-US" sz="1600" dirty="0"/>
           </a:p>
           <a:p>
             <a:pPr marL="0" indent="0">
@@ -8121,7 +8011,7 @@
               <a:buNone/>
             </a:pPr>
             <a:r>
-              <a:rPr lang="en-US" sz="1600" dirty="0" smtClean="0"/>
+              <a:rPr lang="en-US" sz="1600" dirty="0"/>
               <a:t>interface Flyable{</a:t>
             </a:r>
           </a:p>
@@ -8133,11 +8023,11 @@
               <a:buNone/>
             </a:pPr>
             <a:r>
-              <a:rPr lang="en-US" sz="1600" dirty="0" smtClean="0"/>
+              <a:rPr lang="en-US" sz="1600" dirty="0"/>
               <a:t>String </a:t>
             </a:r>
             <a:r>
-              <a:rPr lang="en-US" sz="1600" i="1" dirty="0" smtClean="0"/>
+              <a:rPr lang="en-US" sz="1600" i="1" dirty="0"/>
               <a:t>media = "Sky";</a:t>
             </a:r>
           </a:p>
@@ -8148,7 +8038,7 @@
               </a:spcBef>
               <a:buNone/>
             </a:pPr>
-            <a:endParaRPr lang="en-US" sz="1600" dirty="0" smtClean="0"/>
+            <a:endParaRPr lang="en-US" sz="1600" dirty="0"/>
           </a:p>
           <a:p>
             <a:pPr marL="274637" lvl="1" indent="0">
@@ -8158,7 +8048,7 @@
               <a:buNone/>
             </a:pPr>
             <a:r>
-              <a:rPr lang="en-US" sz="1600" dirty="0" smtClean="0"/>
+              <a:rPr lang="en-US" sz="1600" dirty="0"/>
               <a:t>void fly();</a:t>
             </a:r>
           </a:p>
@@ -8170,19 +8060,19 @@
               <a:buNone/>
             </a:pPr>
             <a:r>
-              <a:rPr lang="en-US" sz="1600" dirty="0" err="1" smtClean="0"/>
+              <a:rPr lang="en-US" sz="1600" dirty="0" err="1"/>
               <a:t>boolean</a:t>
             </a:r>
             <a:r>
-              <a:rPr lang="en-US" sz="1600" dirty="0" smtClean="0"/>
+              <a:rPr lang="en-US" sz="1600" dirty="0"/>
               <a:t> </a:t>
             </a:r>
             <a:r>
-              <a:rPr lang="en-US" sz="1600" dirty="0" err="1" smtClean="0"/>
+              <a:rPr lang="en-US" sz="1600" dirty="0" err="1"/>
               <a:t>needFuel</a:t>
             </a:r>
             <a:r>
-              <a:rPr lang="en-US" sz="1600" dirty="0" smtClean="0"/>
+              <a:rPr lang="en-US" sz="1600" dirty="0"/>
               <a:t>();</a:t>
             </a:r>
           </a:p>
@@ -8194,10 +8084,10 @@
               <a:buNone/>
             </a:pPr>
             <a:r>
-              <a:rPr lang="en-US" sz="1600" dirty="0" smtClean="0"/>
+              <a:rPr lang="en-US" sz="1600" dirty="0"/>
               <a:t>}</a:t>
             </a:r>
-            <a:endParaRPr lang="en-US" altLang="en-US" sz="1600" dirty="0" smtClean="0"/>
+            <a:endParaRPr lang="en-US" altLang="en-US" sz="1600" dirty="0"/>
           </a:p>
         </p:txBody>
       </p:sp>
@@ -8250,7 +8140,7 @@
               <a:defRPr/>
             </a:pPr>
             <a:r>
-              <a:rPr lang="en-US" altLang="en-US" dirty="0" smtClean="0"/>
+              <a:rPr lang="en-US" altLang="en-US" dirty="0"/>
               <a:t>Interface - how to declare</a:t>
             </a:r>
             <a:endParaRPr lang="en-US" dirty="0"/>
@@ -8278,10 +8168,10 @@
               </a:spcBef>
             </a:pPr>
             <a:r>
-              <a:rPr lang="en-US" sz="2000" dirty="0" smtClean="0"/>
+              <a:rPr lang="en-US" sz="2000" dirty="0"/>
               <a:t>Compiler do the following conversion</a:t>
             </a:r>
-            <a:endParaRPr lang="en-US" altLang="en-US" sz="1600" dirty="0" smtClean="0"/>
+            <a:endParaRPr lang="en-US" altLang="en-US" sz="1600" dirty="0"/>
           </a:p>
         </p:txBody>
       </p:sp>
@@ -8332,7 +8222,7 @@
                 <a:buNone/>
               </a:pPr>
               <a:r>
-                <a:rPr lang="en-US" sz="1400" dirty="0" smtClean="0"/>
+                <a:rPr lang="en-US" sz="1400" dirty="0"/>
                 <a:t>interface Flyable{</a:t>
               </a:r>
             </a:p>
@@ -8344,11 +8234,11 @@
                 <a:buNone/>
               </a:pPr>
               <a:r>
-                <a:rPr lang="en-US" sz="1400" dirty="0" smtClean="0"/>
+                <a:rPr lang="en-US" sz="1400" dirty="0"/>
                 <a:t>String </a:t>
               </a:r>
               <a:r>
-                <a:rPr lang="en-US" sz="1400" i="1" dirty="0" smtClean="0"/>
+                <a:rPr lang="en-US" sz="1400" i="1" dirty="0"/>
                 <a:t>media = "Sky";</a:t>
               </a:r>
             </a:p>
@@ -8359,7 +8249,7 @@
                 </a:spcBef>
                 <a:buNone/>
               </a:pPr>
-              <a:endParaRPr lang="en-US" sz="1400" dirty="0" smtClean="0"/>
+              <a:endParaRPr lang="en-US" sz="1400" dirty="0"/>
             </a:p>
             <a:p>
               <a:pPr marL="274637" lvl="1" indent="0">
@@ -8369,7 +8259,7 @@
                 <a:buNone/>
               </a:pPr>
               <a:r>
-                <a:rPr lang="en-US" sz="1400" dirty="0" smtClean="0"/>
+                <a:rPr lang="en-US" sz="1400" dirty="0"/>
                 <a:t>void fly();</a:t>
               </a:r>
             </a:p>
@@ -8381,19 +8271,19 @@
                 <a:buNone/>
               </a:pPr>
               <a:r>
-                <a:rPr lang="en-US" sz="1400" dirty="0" err="1" smtClean="0"/>
+                <a:rPr lang="en-US" sz="1400" dirty="0" err="1"/>
                 <a:t>boolean</a:t>
               </a:r>
               <a:r>
-                <a:rPr lang="en-US" sz="1400" dirty="0" smtClean="0"/>
+                <a:rPr lang="en-US" sz="1400" dirty="0"/>
                 <a:t> </a:t>
               </a:r>
               <a:r>
-                <a:rPr lang="en-US" sz="1400" dirty="0" err="1" smtClean="0"/>
+                <a:rPr lang="en-US" sz="1400" dirty="0" err="1"/>
                 <a:t>needFuel</a:t>
               </a:r>
               <a:r>
-                <a:rPr lang="en-US" sz="1400" dirty="0" smtClean="0"/>
+                <a:rPr lang="en-US" sz="1400" dirty="0"/>
                 <a:t>();</a:t>
               </a:r>
             </a:p>
@@ -8405,7 +8295,7 @@
                 <a:buNone/>
               </a:pPr>
               <a:r>
-                <a:rPr lang="en-US" sz="1400" dirty="0" smtClean="0"/>
+                <a:rPr lang="en-US" sz="1400" dirty="0"/>
                 <a:t>}</a:t>
               </a:r>
               <a:endParaRPr lang="en-US" sz="1600" dirty="0"/>
@@ -8445,7 +8335,7 @@
                 <a:buNone/>
               </a:pPr>
               <a:r>
-                <a:rPr lang="en-US" sz="1400" dirty="0" smtClean="0"/>
+                <a:rPr lang="en-US" sz="1400" dirty="0"/>
                 <a:t>interface Flyable{</a:t>
               </a:r>
             </a:p>
@@ -8457,11 +8347,11 @@
                 <a:buNone/>
               </a:pPr>
               <a:r>
-                <a:rPr lang="en-US" sz="1400" dirty="0" smtClean="0"/>
+                <a:rPr lang="en-US" sz="1400" dirty="0"/>
                 <a:t>public static final String </a:t>
               </a:r>
               <a:r>
-                <a:rPr lang="en-US" sz="1400" i="1" dirty="0" smtClean="0"/>
+                <a:rPr lang="en-US" sz="1400" i="1" dirty="0"/>
                 <a:t>media = "Sky";</a:t>
               </a:r>
             </a:p>
@@ -8472,7 +8362,7 @@
                 </a:spcBef>
                 <a:buNone/>
               </a:pPr>
-              <a:endParaRPr lang="en-US" sz="1400" dirty="0" smtClean="0"/>
+              <a:endParaRPr lang="en-US" sz="1400" dirty="0"/>
             </a:p>
             <a:p>
               <a:pPr marL="274637" lvl="1" indent="0">
@@ -8482,7 +8372,7 @@
                 <a:buNone/>
               </a:pPr>
               <a:r>
-                <a:rPr lang="en-US" sz="1400" dirty="0" smtClean="0"/>
+                <a:rPr lang="en-US" sz="1400" dirty="0"/>
                 <a:t>public abstract void fly();</a:t>
               </a:r>
             </a:p>
@@ -8494,23 +8384,23 @@
                 <a:buNone/>
               </a:pPr>
               <a:r>
-                <a:rPr lang="en-US" sz="1400" dirty="0" smtClean="0"/>
+                <a:rPr lang="en-US" sz="1400" dirty="0"/>
                 <a:t>public abstract </a:t>
               </a:r>
               <a:r>
-                <a:rPr lang="en-US" sz="1400" dirty="0" err="1" smtClean="0"/>
+                <a:rPr lang="en-US" sz="1400" dirty="0" err="1"/>
                 <a:t>boolean</a:t>
               </a:r>
               <a:r>
-                <a:rPr lang="en-US" sz="1400" dirty="0" smtClean="0"/>
+                <a:rPr lang="en-US" sz="1400" dirty="0"/>
                 <a:t> </a:t>
               </a:r>
               <a:r>
-                <a:rPr lang="en-US" sz="1400" dirty="0" err="1" smtClean="0"/>
+                <a:rPr lang="en-US" sz="1400" dirty="0" err="1"/>
                 <a:t>needFuel</a:t>
               </a:r>
               <a:r>
-                <a:rPr lang="en-US" sz="1400" dirty="0" smtClean="0"/>
+                <a:rPr lang="en-US" sz="1400" dirty="0"/>
                 <a:t>();</a:t>
               </a:r>
             </a:p>
@@ -8522,10 +8412,9 @@
                 <a:buNone/>
               </a:pPr>
               <a:r>
-                <a:rPr lang="en-US" sz="1400" dirty="0" smtClean="0"/>
+                <a:rPr lang="en-US" sz="1400" dirty="0"/>
                 <a:t>}</a:t>
               </a:r>
-              <a:endParaRPr lang="en-US" sz="1400" dirty="0"/>
             </a:p>
           </p:txBody>
         </p:sp>
@@ -8566,10 +8455,9 @@
             <a:p>
               <a:pPr algn="ctr"/>
               <a:r>
-                <a:rPr lang="en-US" dirty="0" smtClean="0"/>
+                <a:rPr lang="en-US" dirty="0"/>
                 <a:t>Compiler</a:t>
               </a:r>
-              <a:endParaRPr lang="en-US" dirty="0"/>
             </a:p>
           </p:txBody>
         </p:sp>
@@ -8689,7 +8577,7 @@
           <a:lstStyle/>
           <a:p>
             <a:r>
-              <a:rPr lang="en-US" altLang="en-US" dirty="0" smtClean="0"/>
+              <a:rPr lang="en-US" altLang="en-US" dirty="0"/>
               <a:t>Implementing interface</a:t>
             </a:r>
             <a:endParaRPr lang="en-US" dirty="0"/>
@@ -8712,45 +8600,44 @@
           <a:lstStyle/>
           <a:p>
             <a:r>
-              <a:rPr lang="en-US" dirty="0" smtClean="0"/>
+              <a:rPr lang="en-US" dirty="0"/>
               <a:t>A class uses the </a:t>
             </a:r>
             <a:r>
-              <a:rPr lang="en-US" b="1" dirty="0" smtClean="0"/>
+              <a:rPr lang="en-US" b="1" dirty="0"/>
               <a:t>implements</a:t>
             </a:r>
             <a:r>
-              <a:rPr lang="en-US" dirty="0" smtClean="0"/>
+              <a:rPr lang="en-US" dirty="0"/>
               <a:t> keyword to implement an interface.</a:t>
             </a:r>
           </a:p>
           <a:p>
             <a:r>
-              <a:rPr lang="en-US" dirty="0" smtClean="0"/>
+              <a:rPr lang="en-US" dirty="0"/>
               <a:t>When a class implements an interface, you can think of the class as signing a contract, agreeing to perform the specific behaviors/methods of the interface. </a:t>
             </a:r>
           </a:p>
           <a:p>
             <a:pPr lvl="1"/>
             <a:r>
-              <a:rPr lang="en-US" dirty="0" smtClean="0"/>
+              <a:rPr lang="en-US" dirty="0"/>
               <a:t>Which means the </a:t>
             </a:r>
             <a:r>
-              <a:rPr lang="en-US" b="1" dirty="0" smtClean="0"/>
+              <a:rPr lang="en-US" b="1" dirty="0"/>
               <a:t>class must override all the methods</a:t>
             </a:r>
             <a:r>
-              <a:rPr lang="en-US" dirty="0" smtClean="0"/>
+              <a:rPr lang="en-US" dirty="0"/>
               <a:t> declared in the interface. </a:t>
             </a:r>
           </a:p>
           <a:p>
             <a:r>
-              <a:rPr lang="en-US" dirty="0" smtClean="0"/>
+              <a:rPr lang="en-US" dirty="0"/>
               <a:t>If a class does not perform all the behaviors/methods of the interface, the class must declare itself as abstract.</a:t>
             </a:r>
-            <a:endParaRPr lang="en-US" dirty="0"/>
           </a:p>
         </p:txBody>
       </p:sp>
@@ -8798,7 +8685,7 @@
               <a:defRPr/>
             </a:pPr>
             <a:r>
-              <a:rPr lang="en-US" altLang="en-US" dirty="0" smtClean="0"/>
+              <a:rPr lang="en-US" altLang="en-US" dirty="0"/>
               <a:t>Implementing interface - example</a:t>
             </a:r>
             <a:endParaRPr lang="en-US" dirty="0"/>
@@ -8827,18 +8714,9 @@
               <a:buNone/>
             </a:pPr>
             <a:r>
-              <a:rPr lang="en-US" sz="1600" dirty="0" smtClean="0"/>
-              <a:t>class </a:t>
-            </a:r>
-            <a:r>
               <a:rPr lang="en-US" sz="1600" dirty="0"/>
-              <a:t>Bird implements Flyable</a:t>
-            </a:r>
-            <a:r>
-              <a:rPr lang="en-US" sz="1600" dirty="0" smtClean="0"/>
-              <a:t>{</a:t>
-            </a:r>
-            <a:endParaRPr lang="en-US" sz="1600" dirty="0"/>
+              <a:t>class Bird implements Flyable{</a:t>
+            </a:r>
           </a:p>
           <a:p>
             <a:pPr marL="274637" lvl="1" indent="0">
@@ -8872,15 +8750,15 @@
               <a:buNone/>
             </a:pPr>
             <a:r>
-              <a:rPr lang="en-US" sz="1600" dirty="0" smtClean="0"/>
+              <a:rPr lang="en-US" sz="1600" dirty="0"/>
               <a:t>	</a:t>
             </a:r>
             <a:r>
-              <a:rPr lang="en-US" sz="1600" dirty="0" err="1" smtClean="0"/>
+              <a:rPr lang="en-US" sz="1600" dirty="0" err="1"/>
               <a:t>System.</a:t>
             </a:r>
             <a:r>
-              <a:rPr lang="en-US" sz="1600" i="1" dirty="0" err="1" smtClean="0"/>
+              <a:rPr lang="en-US" sz="1600" i="1" dirty="0" err="1"/>
               <a:t>out.println</a:t>
             </a:r>
             <a:r>
@@ -8965,12 +8843,8 @@
               <a:buNone/>
             </a:pPr>
             <a:r>
-              <a:rPr lang="en-US" sz="1600" dirty="0" smtClean="0"/>
-              <a:t>	return </a:t>
-            </a:r>
-            <a:r>
               <a:rPr lang="en-US" sz="1600" dirty="0"/>
-              <a:t>false;</a:t>
+              <a:t>	return false;</a:t>
             </a:r>
           </a:p>
           <a:p>
@@ -8981,10 +8855,9 @@
               <a:buNone/>
             </a:pPr>
             <a:r>
-              <a:rPr lang="en-US" sz="1600" dirty="0" smtClean="0"/>
+              <a:rPr lang="en-US" sz="1600" dirty="0"/>
               <a:t>}</a:t>
             </a:r>
-            <a:endParaRPr lang="en-US" sz="1600" dirty="0"/>
           </a:p>
           <a:p>
             <a:pPr marL="0" indent="0">
@@ -8994,10 +8867,10 @@
               <a:buNone/>
             </a:pPr>
             <a:r>
-              <a:rPr lang="en-US" sz="1600" dirty="0" smtClean="0"/>
+              <a:rPr lang="en-US" sz="1600" dirty="0"/>
               <a:t>}</a:t>
             </a:r>
-            <a:endParaRPr lang="en-US" altLang="en-US" sz="1600" dirty="0" smtClean="0"/>
+            <a:endParaRPr lang="en-US" altLang="en-US" sz="1600" dirty="0"/>
           </a:p>
         </p:txBody>
       </p:sp>
@@ -9050,7 +8923,7 @@
               <a:defRPr/>
             </a:pPr>
             <a:r>
-              <a:rPr lang="en-US" altLang="en-US" dirty="0" smtClean="0"/>
+              <a:rPr lang="en-US" altLang="en-US" dirty="0"/>
               <a:t>Implementing interface - example</a:t>
             </a:r>
             <a:endParaRPr lang="en-US" dirty="0"/>
@@ -9079,18 +8952,9 @@
               <a:buNone/>
             </a:pPr>
             <a:r>
-              <a:rPr lang="en-US" sz="1600" dirty="0" smtClean="0"/>
-              <a:t>class Airplane </a:t>
-            </a:r>
-            <a:r>
               <a:rPr lang="en-US" sz="1600" dirty="0"/>
-              <a:t>implements Flyable</a:t>
-            </a:r>
-            <a:r>
-              <a:rPr lang="en-US" sz="1600" dirty="0" smtClean="0"/>
-              <a:t>{</a:t>
-            </a:r>
-            <a:endParaRPr lang="en-US" sz="1600" dirty="0"/>
+              <a:t>class Airplane implements Flyable{</a:t>
+            </a:r>
           </a:p>
           <a:p>
             <a:pPr marL="274637" lvl="1" indent="0">
@@ -9225,31 +9089,30 @@
               <a:buNone/>
             </a:pPr>
             <a:r>
-              <a:rPr lang="en-US" sz="1600" dirty="0" smtClean="0"/>
+              <a:rPr lang="en-US" sz="1600" dirty="0"/>
               <a:t>}</a:t>
             </a:r>
+          </a:p>
+          <a:p>
+            <a:pPr marL="0" indent="0">
+              <a:spcBef>
+                <a:spcPts val="0"/>
+              </a:spcBef>
+              <a:buNone/>
+            </a:pPr>
+            <a:r>
+              <a:rPr lang="en-US" sz="1600" dirty="0"/>
+              <a:t>}</a:t>
+            </a:r>
+          </a:p>
+          <a:p>
+            <a:pPr marL="0" indent="0">
+              <a:spcBef>
+                <a:spcPts val="0"/>
+              </a:spcBef>
+              <a:buNone/>
+            </a:pPr>
             <a:endParaRPr lang="en-US" sz="1600" dirty="0"/>
-          </a:p>
-          <a:p>
-            <a:pPr marL="0" indent="0">
-              <a:spcBef>
-                <a:spcPts val="0"/>
-              </a:spcBef>
-              <a:buNone/>
-            </a:pPr>
-            <a:r>
-              <a:rPr lang="en-US" sz="1600" dirty="0" smtClean="0"/>
-              <a:t>}</a:t>
-            </a:r>
-          </a:p>
-          <a:p>
-            <a:pPr marL="0" indent="0">
-              <a:spcBef>
-                <a:spcPts val="0"/>
-              </a:spcBef>
-              <a:buNone/>
-            </a:pPr>
-            <a:endParaRPr lang="en-US" sz="1600" dirty="0" smtClean="0"/>
           </a:p>
           <a:p>
             <a:pPr marL="0" indent="0">
@@ -9263,14 +9126,13 @@
               <a:t>public class </a:t>
             </a:r>
             <a:r>
-              <a:rPr lang="en-US" sz="1600" dirty="0" err="1" smtClean="0"/>
+              <a:rPr lang="en-US" sz="1600" dirty="0" err="1"/>
               <a:t>TestInterface</a:t>
             </a:r>
             <a:r>
-              <a:rPr lang="en-US" sz="1600" dirty="0" smtClean="0"/>
+              <a:rPr lang="en-US" sz="1600" dirty="0"/>
               <a:t> {</a:t>
             </a:r>
-            <a:endParaRPr lang="en-US" sz="1600" dirty="0"/>
           </a:p>
           <a:p>
             <a:pPr marL="274637" lvl="1" indent="0">
@@ -9313,21 +9175,8 @@
             </a:pPr>
             <a:r>
               <a:rPr lang="en-US" sz="1600" dirty="0"/>
-              <a:t>Airplane </a:t>
-            </a:r>
-            <a:r>
-              <a:rPr lang="en-US" sz="1600" dirty="0" smtClean="0"/>
-              <a:t>a </a:t>
-            </a:r>
-            <a:r>
-              <a:rPr lang="en-US" sz="1600" dirty="0"/>
-              <a:t>= new Airplane </a:t>
-            </a:r>
-            <a:r>
-              <a:rPr lang="en-US" sz="1600" dirty="0" smtClean="0"/>
-              <a:t>();</a:t>
-            </a:r>
-            <a:endParaRPr lang="en-US" sz="1600" dirty="0"/>
+              <a:t>Airplane a = new Airplane ();</a:t>
+            </a:r>
           </a:p>
           <a:p>
             <a:pPr marL="547687" lvl="2" indent="0">
@@ -9369,19 +9218,6 @@
               <a:buNone/>
             </a:pPr>
             <a:r>
-              <a:rPr lang="en-US" sz="1600" dirty="0" smtClean="0"/>
-              <a:t>}</a:t>
-            </a:r>
-            <a:endParaRPr lang="en-US" sz="1600" dirty="0"/>
-          </a:p>
-          <a:p>
-            <a:pPr marL="0" indent="0">
-              <a:spcBef>
-                <a:spcPts val="0"/>
-              </a:spcBef>
-              <a:buNone/>
-            </a:pPr>
-            <a:r>
               <a:rPr lang="en-US" sz="1600" dirty="0"/>
               <a:t>}</a:t>
             </a:r>
@@ -9393,7 +9229,19 @@
               </a:spcBef>
               <a:buNone/>
             </a:pPr>
-            <a:endParaRPr lang="en-US" altLang="en-US" sz="1600" dirty="0" smtClean="0"/>
+            <a:r>
+              <a:rPr lang="en-US" sz="1600" dirty="0"/>
+              <a:t>}</a:t>
+            </a:r>
+          </a:p>
+          <a:p>
+            <a:pPr marL="0" indent="0">
+              <a:spcBef>
+                <a:spcPts val="0"/>
+              </a:spcBef>
+              <a:buNone/>
+            </a:pPr>
+            <a:endParaRPr lang="en-US" altLang="en-US" sz="1600" dirty="0"/>
           </a:p>
         </p:txBody>
       </p:sp>
@@ -9424,23 +9272,23 @@
           <a:lstStyle/>
           <a:p>
             <a:r>
-              <a:rPr lang="en-US" b="1" u="sng" dirty="0" smtClean="0"/>
+              <a:rPr lang="en-US" b="1" u="sng" dirty="0"/>
               <a:t>Output</a:t>
             </a:r>
             <a:r>
-              <a:rPr lang="en-US" dirty="0" smtClean="0"/>
+              <a:rPr lang="en-US" dirty="0"/>
               <a:t>:</a:t>
             </a:r>
           </a:p>
           <a:p>
             <a:r>
-              <a:rPr lang="en-US" sz="1600" dirty="0" smtClean="0"/>
+              <a:rPr lang="en-US" sz="1600" dirty="0"/>
               <a:t>Plane can fly in the Sky</a:t>
             </a:r>
           </a:p>
           <a:p>
             <a:r>
-              <a:rPr lang="en-US" sz="1600" dirty="0" smtClean="0"/>
+              <a:rPr lang="en-US" sz="1600" dirty="0"/>
               <a:t>Bird can fly in the Sky</a:t>
             </a:r>
             <a:endParaRPr lang="en-US" dirty="0"/>
@@ -9493,7 +9341,7 @@
           <a:lstStyle/>
           <a:p>
             <a:r>
-              <a:rPr lang="en-US" altLang="en-US" dirty="0" smtClean="0"/>
+              <a:rPr lang="en-US" altLang="en-US" dirty="0"/>
               <a:t>Implementing interface – some rules</a:t>
             </a:r>
             <a:endParaRPr lang="en-US" dirty="0"/>
@@ -9516,106 +9364,106 @@
           <a:lstStyle/>
           <a:p>
             <a:r>
-              <a:rPr lang="en-US" dirty="0" smtClean="0"/>
+              <a:rPr lang="en-US" dirty="0"/>
               <a:t>A </a:t>
             </a:r>
             <a:r>
-              <a:rPr lang="en-US" b="1" dirty="0" smtClean="0"/>
+              <a:rPr lang="en-US" b="1" dirty="0"/>
               <a:t>class</a:t>
             </a:r>
             <a:r>
-              <a:rPr lang="en-US" dirty="0" smtClean="0"/>
+              <a:rPr lang="en-US" dirty="0"/>
               <a:t> can implement more than one interface at a time.</a:t>
             </a:r>
           </a:p>
           <a:p>
             <a:pPr lvl="1"/>
             <a:r>
-              <a:rPr lang="en-US" dirty="0" smtClean="0"/>
+              <a:rPr lang="en-US" dirty="0"/>
               <a:t>Each interface name is separated by comma after the implements keyword.</a:t>
             </a:r>
           </a:p>
           <a:p>
             <a:pPr lvl="1"/>
             <a:r>
-              <a:rPr lang="en-US" dirty="0" smtClean="0"/>
+              <a:rPr lang="en-US" dirty="0"/>
               <a:t>The class </a:t>
             </a:r>
             <a:r>
-              <a:rPr lang="en-US" b="1" dirty="0" smtClean="0"/>
+              <a:rPr lang="en-US" b="1" dirty="0"/>
               <a:t>must override </a:t>
             </a:r>
             <a:r>
-              <a:rPr lang="en-US" dirty="0" smtClean="0"/>
+              <a:rPr lang="en-US" dirty="0"/>
               <a:t>all methods of all interfaces.</a:t>
             </a:r>
           </a:p>
           <a:p>
             <a:r>
-              <a:rPr lang="en-US" dirty="0" smtClean="0"/>
+              <a:rPr lang="en-US" dirty="0"/>
               <a:t>A </a:t>
             </a:r>
             <a:r>
-              <a:rPr lang="en-US" b="1" dirty="0" smtClean="0"/>
+              <a:rPr lang="en-US" b="1" dirty="0"/>
               <a:t>class</a:t>
             </a:r>
             <a:r>
-              <a:rPr lang="en-US" dirty="0" smtClean="0"/>
+              <a:rPr lang="en-US" dirty="0"/>
               <a:t> can both extends a class and implements many interfaces.</a:t>
             </a:r>
           </a:p>
           <a:p>
             <a:r>
-              <a:rPr lang="en-US" dirty="0" smtClean="0"/>
+              <a:rPr lang="en-US" dirty="0"/>
               <a:t>An </a:t>
             </a:r>
             <a:r>
-              <a:rPr lang="en-US" b="1" dirty="0" smtClean="0"/>
+              <a:rPr lang="en-US" b="1" dirty="0"/>
               <a:t>interface</a:t>
             </a:r>
             <a:r>
-              <a:rPr lang="en-US" dirty="0" smtClean="0"/>
+              <a:rPr lang="en-US" dirty="0"/>
               <a:t> can </a:t>
             </a:r>
             <a:r>
-              <a:rPr lang="en-US" b="1" dirty="0" smtClean="0"/>
+              <a:rPr lang="en-US" b="1" dirty="0"/>
               <a:t>extend</a:t>
             </a:r>
             <a:r>
-              <a:rPr lang="en-US" dirty="0" smtClean="0"/>
+              <a:rPr lang="en-US" dirty="0"/>
               <a:t> other </a:t>
             </a:r>
             <a:r>
-              <a:rPr lang="en-US" b="1" dirty="0" smtClean="0"/>
+              <a:rPr lang="en-US" b="1" dirty="0"/>
               <a:t>interfaces</a:t>
             </a:r>
             <a:r>
-              <a:rPr lang="en-US" dirty="0" smtClean="0"/>
+              <a:rPr lang="en-US" dirty="0"/>
               <a:t> (allow multiple extends), in a similar way as a class can extend another class.</a:t>
             </a:r>
           </a:p>
           <a:p>
             <a:r>
-              <a:rPr lang="en-US" altLang="en-US" dirty="0" smtClean="0"/>
+              <a:rPr lang="en-US" altLang="en-US" dirty="0"/>
               <a:t>If a </a:t>
             </a:r>
             <a:r>
-              <a:rPr lang="en-US" altLang="en-US" b="1" dirty="0" smtClean="0"/>
+              <a:rPr lang="en-US" altLang="en-US" b="1" dirty="0"/>
               <a:t>parent class</a:t>
             </a:r>
             <a:r>
-              <a:rPr lang="en-US" altLang="en-US" dirty="0" smtClean="0"/>
+              <a:rPr lang="en-US" altLang="en-US" dirty="0"/>
               <a:t> implements an interface, its </a:t>
             </a:r>
             <a:r>
-              <a:rPr lang="en-US" altLang="en-US" b="1" dirty="0" smtClean="0"/>
+              <a:rPr lang="en-US" altLang="en-US" b="1" dirty="0"/>
               <a:t>child classes</a:t>
             </a:r>
             <a:r>
-              <a:rPr lang="en-US" altLang="en-US" dirty="0" smtClean="0"/>
+              <a:rPr lang="en-US" altLang="en-US" dirty="0"/>
               <a:t> automatically implement the interface.</a:t>
             </a:r>
-            <a:endParaRPr lang="en-US" dirty="0" smtClean="0"/>
+            <a:endParaRPr lang="en-US" dirty="0"/>
           </a:p>
           <a:p>
             <a:endParaRPr lang="en-US" dirty="0"/>
@@ -9665,7 +9513,7 @@
           <a:lstStyle/>
           <a:p>
             <a:r>
-              <a:rPr lang="en-US" altLang="en-US" dirty="0" smtClean="0"/>
+              <a:rPr lang="en-US" altLang="en-US" dirty="0"/>
               <a:t>Implementing multiple interfaces - example</a:t>
             </a:r>
             <a:endParaRPr lang="en-US" dirty="0"/>
@@ -9694,7 +9542,7 @@
               <a:buNone/>
             </a:pPr>
             <a:r>
-              <a:rPr lang="en-US" sz="1400" dirty="0" smtClean="0"/>
+              <a:rPr lang="en-US" sz="1400" dirty="0"/>
               <a:t>interface Flyable{</a:t>
             </a:r>
           </a:p>
@@ -9706,11 +9554,11 @@
               <a:buNone/>
             </a:pPr>
             <a:r>
-              <a:rPr lang="en-US" sz="1400" dirty="0" smtClean="0"/>
+              <a:rPr lang="en-US" sz="1400" dirty="0"/>
               <a:t>public static final String </a:t>
             </a:r>
             <a:r>
-              <a:rPr lang="en-US" sz="1400" i="1" dirty="0" smtClean="0"/>
+              <a:rPr lang="en-US" sz="1400" i="1" dirty="0"/>
               <a:t>media = "Sky";</a:t>
             </a:r>
           </a:p>
@@ -9721,7 +9569,7 @@
               </a:spcBef>
               <a:buNone/>
             </a:pPr>
-            <a:endParaRPr lang="en-US" sz="1400" dirty="0" smtClean="0"/>
+            <a:endParaRPr lang="en-US" sz="1400" dirty="0"/>
           </a:p>
           <a:p>
             <a:pPr lvl="1">
@@ -9731,7 +9579,7 @@
               <a:buNone/>
             </a:pPr>
             <a:r>
-              <a:rPr lang="en-US" sz="1400" dirty="0" smtClean="0"/>
+              <a:rPr lang="en-US" sz="1400" dirty="0"/>
               <a:t>public abstract void fly();</a:t>
             </a:r>
           </a:p>
@@ -9743,23 +9591,23 @@
               <a:buNone/>
             </a:pPr>
             <a:r>
-              <a:rPr lang="en-US" sz="1400" dirty="0" smtClean="0"/>
+              <a:rPr lang="en-US" sz="1400" dirty="0"/>
               <a:t>public abstract </a:t>
             </a:r>
             <a:r>
-              <a:rPr lang="en-US" sz="1400" dirty="0" err="1" smtClean="0"/>
+              <a:rPr lang="en-US" sz="1400" dirty="0" err="1"/>
               <a:t>boolean</a:t>
             </a:r>
             <a:r>
-              <a:rPr lang="en-US" sz="1400" dirty="0" smtClean="0"/>
+              <a:rPr lang="en-US" sz="1400" dirty="0"/>
               <a:t> </a:t>
             </a:r>
             <a:r>
-              <a:rPr lang="en-US" sz="1400" dirty="0" err="1" smtClean="0"/>
+              <a:rPr lang="en-US" sz="1400" dirty="0" err="1"/>
               <a:t>needFuel</a:t>
             </a:r>
             <a:r>
-              <a:rPr lang="en-US" sz="1400" dirty="0" smtClean="0"/>
+              <a:rPr lang="en-US" sz="1400" dirty="0"/>
               <a:t>();</a:t>
             </a:r>
           </a:p>
@@ -9771,7 +9619,7 @@
               <a:buNone/>
             </a:pPr>
             <a:r>
-              <a:rPr lang="en-US" sz="1400" dirty="0" smtClean="0"/>
+              <a:rPr lang="en-US" sz="1400" dirty="0"/>
               <a:t>}</a:t>
             </a:r>
           </a:p>
@@ -9782,7 +9630,7 @@
               </a:spcBef>
               <a:buNone/>
             </a:pPr>
-            <a:endParaRPr lang="en-US" sz="1400" dirty="0" smtClean="0"/>
+            <a:endParaRPr lang="en-US" sz="1400" dirty="0"/>
           </a:p>
           <a:p>
             <a:pPr>
@@ -9792,7 +9640,7 @@
               <a:buNone/>
             </a:pPr>
             <a:r>
-              <a:rPr lang="en-US" sz="1400" dirty="0" smtClean="0"/>
+              <a:rPr lang="en-US" sz="1400" dirty="0"/>
               <a:t>interface Floatable{</a:t>
             </a:r>
           </a:p>
@@ -9804,15 +9652,15 @@
               <a:buNone/>
             </a:pPr>
             <a:r>
-              <a:rPr lang="en-US" sz="1400" dirty="0" smtClean="0"/>
+              <a:rPr lang="en-US" sz="1400" dirty="0"/>
               <a:t>	public abstract void </a:t>
             </a:r>
             <a:r>
-              <a:rPr lang="en-US" sz="1400" dirty="0" err="1" smtClean="0"/>
+              <a:rPr lang="en-US" sz="1400" dirty="0" err="1"/>
               <a:t>canFloat</a:t>
             </a:r>
             <a:r>
-              <a:rPr lang="en-US" sz="1400" dirty="0" smtClean="0"/>
+              <a:rPr lang="en-US" sz="1400" dirty="0"/>
               <a:t>();</a:t>
             </a:r>
           </a:p>
@@ -9824,7 +9672,7 @@
               <a:buNone/>
             </a:pPr>
             <a:r>
-              <a:rPr lang="en-US" sz="1400" dirty="0" smtClean="0"/>
+              <a:rPr lang="en-US" sz="1400" dirty="0"/>
               <a:t>}</a:t>
             </a:r>
           </a:p>
@@ -9835,7 +9683,7 @@
               </a:spcBef>
               <a:buNone/>
             </a:pPr>
-            <a:endParaRPr lang="en-US" sz="1400" dirty="0" smtClean="0"/>
+            <a:endParaRPr lang="en-US" sz="1400" dirty="0"/>
           </a:p>
           <a:p>
             <a:pPr>
@@ -9845,7 +9693,7 @@
               <a:buNone/>
             </a:pPr>
             <a:r>
-              <a:rPr lang="en-US" sz="1400" dirty="0" smtClean="0"/>
+              <a:rPr lang="en-US" sz="1400" dirty="0"/>
               <a:t>class Bird implements Flyable, Floatable{</a:t>
             </a:r>
           </a:p>
@@ -9857,7 +9705,7 @@
               <a:buNone/>
             </a:pPr>
             <a:r>
-              <a:rPr lang="en-US" sz="1400" dirty="0" smtClean="0"/>
+              <a:rPr lang="en-US" sz="1400" dirty="0"/>
               <a:t>public void fly() {</a:t>
             </a:r>
           </a:p>
@@ -9869,27 +9717,27 @@
               <a:buNone/>
             </a:pPr>
             <a:r>
-              <a:rPr lang="en-US" sz="1400" dirty="0" smtClean="0"/>
+              <a:rPr lang="en-US" sz="1400" dirty="0"/>
               <a:t>	</a:t>
             </a:r>
             <a:r>
-              <a:rPr lang="en-US" sz="1400" dirty="0" err="1" smtClean="0"/>
+              <a:rPr lang="en-US" sz="1400" dirty="0" err="1"/>
               <a:t>System.</a:t>
             </a:r>
             <a:r>
-              <a:rPr lang="en-US" sz="1400" i="1" dirty="0" err="1" smtClean="0"/>
+              <a:rPr lang="en-US" sz="1400" i="1" dirty="0" err="1"/>
               <a:t>out.println</a:t>
             </a:r>
             <a:r>
-              <a:rPr lang="en-US" sz="1400" i="1" dirty="0" smtClean="0"/>
+              <a:rPr lang="en-US" sz="1400" i="1" dirty="0"/>
               <a:t>("Bird can fly in the " + </a:t>
             </a:r>
             <a:r>
-              <a:rPr lang="en-US" sz="1400" i="1" dirty="0" err="1" smtClean="0"/>
+              <a:rPr lang="en-US" sz="1400" i="1" dirty="0" err="1"/>
               <a:t>Flyable.media</a:t>
             </a:r>
             <a:r>
-              <a:rPr lang="en-US" sz="1400" i="1" dirty="0" smtClean="0"/>
+              <a:rPr lang="en-US" sz="1400" i="1" dirty="0"/>
               <a:t>);</a:t>
             </a:r>
           </a:p>
@@ -9901,7 +9749,7 @@
               <a:buNone/>
             </a:pPr>
             <a:r>
-              <a:rPr lang="en-US" sz="1400" dirty="0" smtClean="0"/>
+              <a:rPr lang="en-US" sz="1400" dirty="0"/>
               <a:t>}</a:t>
             </a:r>
           </a:p>
@@ -9912,7 +9760,7 @@
               </a:spcBef>
               <a:buNone/>
             </a:pPr>
-            <a:endParaRPr lang="en-US" sz="1400" dirty="0" smtClean="0"/>
+            <a:endParaRPr lang="en-US" sz="1400" dirty="0"/>
           </a:p>
           <a:p>
             <a:pPr lvl="1">
@@ -9922,23 +9770,23 @@
               <a:buNone/>
             </a:pPr>
             <a:r>
-              <a:rPr lang="en-US" sz="1400" dirty="0" smtClean="0"/>
+              <a:rPr lang="en-US" sz="1400" dirty="0"/>
               <a:t>public </a:t>
             </a:r>
             <a:r>
-              <a:rPr lang="en-US" sz="1400" dirty="0" err="1" smtClean="0"/>
+              <a:rPr lang="en-US" sz="1400" dirty="0" err="1"/>
               <a:t>boolean</a:t>
             </a:r>
             <a:r>
-              <a:rPr lang="en-US" sz="1400" dirty="0" smtClean="0"/>
+              <a:rPr lang="en-US" sz="1400" dirty="0"/>
               <a:t> </a:t>
             </a:r>
             <a:r>
-              <a:rPr lang="en-US" sz="1400" dirty="0" err="1" smtClean="0"/>
+              <a:rPr lang="en-US" sz="1400" dirty="0" err="1"/>
               <a:t>needFuel</a:t>
             </a:r>
             <a:r>
-              <a:rPr lang="en-US" sz="1400" dirty="0" smtClean="0"/>
+              <a:rPr lang="en-US" sz="1400" dirty="0"/>
               <a:t>() {</a:t>
             </a:r>
           </a:p>
@@ -9950,7 +9798,7 @@
               <a:buNone/>
             </a:pPr>
             <a:r>
-              <a:rPr lang="en-US" sz="1400" dirty="0" smtClean="0"/>
+              <a:rPr lang="en-US" sz="1400" dirty="0"/>
               <a:t>	return false;</a:t>
             </a:r>
           </a:p>
@@ -9962,7 +9810,7 @@
               <a:buNone/>
             </a:pPr>
             <a:r>
-              <a:rPr lang="en-US" sz="1400" dirty="0" smtClean="0"/>
+              <a:rPr lang="en-US" sz="1400" dirty="0"/>
               <a:t>}</a:t>
             </a:r>
           </a:p>
@@ -9974,15 +9822,15 @@
               <a:buNone/>
             </a:pPr>
             <a:r>
-              <a:rPr lang="en-US" sz="1400" dirty="0" smtClean="0"/>
+              <a:rPr lang="en-US" sz="1400" dirty="0"/>
               <a:t>public void </a:t>
             </a:r>
             <a:r>
-              <a:rPr lang="en-US" sz="1400" dirty="0" err="1" smtClean="0"/>
+              <a:rPr lang="en-US" sz="1400" dirty="0" err="1"/>
               <a:t>canFloat</a:t>
             </a:r>
             <a:r>
-              <a:rPr lang="en-US" sz="1400" dirty="0" smtClean="0"/>
+              <a:rPr lang="en-US" sz="1400" dirty="0"/>
               <a:t>() {</a:t>
             </a:r>
           </a:p>
@@ -9994,19 +9842,19 @@
               <a:buNone/>
             </a:pPr>
             <a:r>
-              <a:rPr lang="en-US" sz="1400" dirty="0" smtClean="0"/>
+              <a:rPr lang="en-US" sz="1400" dirty="0"/>
               <a:t>	</a:t>
             </a:r>
             <a:r>
-              <a:rPr lang="en-US" sz="1400" dirty="0" err="1" smtClean="0"/>
+              <a:rPr lang="en-US" sz="1400" dirty="0" err="1"/>
               <a:t>System.</a:t>
             </a:r>
             <a:r>
-              <a:rPr lang="en-US" sz="1400" i="1" dirty="0" err="1" smtClean="0"/>
+              <a:rPr lang="en-US" sz="1400" i="1" dirty="0" err="1"/>
               <a:t>out.println</a:t>
             </a:r>
             <a:r>
-              <a:rPr lang="en-US" sz="1400" i="1" dirty="0" smtClean="0"/>
+              <a:rPr lang="en-US" sz="1400" i="1" dirty="0"/>
               <a:t>("Bird can float in air.");</a:t>
             </a:r>
           </a:p>
@@ -10018,7 +9866,7 @@
               <a:buNone/>
             </a:pPr>
             <a:r>
-              <a:rPr lang="en-US" sz="1400" dirty="0" smtClean="0"/>
+              <a:rPr lang="en-US" sz="1400" dirty="0"/>
               <a:t>}</a:t>
             </a:r>
           </a:p>
@@ -10030,10 +9878,9 @@
               <a:buNone/>
             </a:pPr>
             <a:r>
-              <a:rPr lang="en-US" sz="1400" dirty="0" smtClean="0"/>
+              <a:rPr lang="en-US" sz="1400" dirty="0"/>
               <a:t>}</a:t>
             </a:r>
-            <a:endParaRPr lang="en-US" sz="1400" dirty="0"/>
           </a:p>
         </p:txBody>
       </p:sp>
@@ -10114,18 +9961,14 @@
             </a:pPr>
             <a:r>
               <a:rPr lang="en-US" altLang="en-US" dirty="0"/>
-              <a:t>A</a:t>
-            </a:r>
-            <a:r>
-              <a:rPr lang="en-US" altLang="en-US" dirty="0" smtClean="0"/>
-              <a:t>bstraction is a process of hiding the implementation details from the user, </a:t>
-            </a:r>
-            <a:r>
-              <a:rPr lang="en-US" altLang="en-US" b="1" dirty="0" smtClean="0"/>
+              <a:t>Abstraction is a process of hiding the implementation details from the user, </a:t>
+            </a:r>
+            <a:r>
+              <a:rPr lang="en-US" altLang="en-US" b="1" dirty="0"/>
               <a:t>only the functionality will be provided </a:t>
             </a:r>
             <a:r>
-              <a:rPr lang="en-US" altLang="en-US" dirty="0" smtClean="0"/>
+              <a:rPr lang="en-US" altLang="en-US" dirty="0"/>
               <a:t>to the user. </a:t>
             </a:r>
           </a:p>
@@ -10136,15 +9979,15 @@
               <a:defRPr/>
             </a:pPr>
             <a:r>
-              <a:rPr lang="en-US" altLang="en-US" dirty="0" smtClean="0"/>
+              <a:rPr lang="en-US" altLang="en-US" dirty="0"/>
               <a:t>In other words, the user </a:t>
             </a:r>
             <a:r>
-              <a:rPr lang="en-US" altLang="en-US" b="1" dirty="0" smtClean="0"/>
+              <a:rPr lang="en-US" altLang="en-US" b="1" dirty="0"/>
               <a:t>will have the information on </a:t>
             </a:r>
             <a:r>
-              <a:rPr lang="en-US" altLang="en-US" b="1" dirty="0" smtClean="0">
+              <a:rPr lang="en-US" altLang="en-US" b="1" dirty="0">
                 <a:solidFill>
                   <a:srgbClr val="FF0000"/>
                 </a:solidFill>
@@ -10152,15 +9995,15 @@
               <a:t>what</a:t>
             </a:r>
             <a:r>
-              <a:rPr lang="en-US" altLang="en-US" b="1" dirty="0" smtClean="0"/>
+              <a:rPr lang="en-US" altLang="en-US" b="1" dirty="0"/>
               <a:t> the object does </a:t>
             </a:r>
             <a:r>
-              <a:rPr lang="en-US" altLang="en-US" dirty="0" smtClean="0"/>
+              <a:rPr lang="en-US" altLang="en-US" dirty="0"/>
               <a:t>instead of </a:t>
             </a:r>
             <a:r>
-              <a:rPr lang="en-US" altLang="en-US" b="1" dirty="0" smtClean="0">
+              <a:rPr lang="en-US" altLang="en-US" b="1" dirty="0">
                 <a:solidFill>
                   <a:srgbClr val="FF0000"/>
                 </a:solidFill>
@@ -10168,7 +10011,7 @@
               <a:t>how</a:t>
             </a:r>
             <a:r>
-              <a:rPr lang="en-US" altLang="en-US" dirty="0" smtClean="0"/>
+              <a:rPr lang="en-US" altLang="en-US" dirty="0"/>
               <a:t> it does it.</a:t>
             </a:r>
           </a:p>
@@ -10179,7 +10022,7 @@
               <a:defRPr/>
             </a:pPr>
             <a:r>
-              <a:rPr lang="en-US" altLang="en-US" dirty="0" smtClean="0"/>
+              <a:rPr lang="en-US" altLang="en-US" dirty="0"/>
               <a:t>In Java, abstraction is achieved using </a:t>
             </a:r>
           </a:p>
@@ -10190,7 +10033,7 @@
               <a:defRPr/>
             </a:pPr>
             <a:r>
-              <a:rPr lang="en-US" altLang="en-US" dirty="0" smtClean="0"/>
+              <a:rPr lang="en-US" altLang="en-US" dirty="0"/>
               <a:t>Abstract classes and </a:t>
             </a:r>
           </a:p>
@@ -10201,7 +10044,7 @@
               <a:defRPr/>
             </a:pPr>
             <a:r>
-              <a:rPr lang="en-US" altLang="en-US" dirty="0" smtClean="0"/>
+              <a:rPr lang="en-US" altLang="en-US" dirty="0"/>
               <a:t>interfaces.</a:t>
             </a:r>
           </a:p>
@@ -10211,7 +10054,7 @@
               <a:buNone/>
               <a:defRPr/>
             </a:pPr>
-            <a:endParaRPr lang="en-US" altLang="en-US" dirty="0" smtClean="0"/>
+            <a:endParaRPr lang="en-US" altLang="en-US" dirty="0"/>
           </a:p>
         </p:txBody>
       </p:sp>
@@ -10258,7 +10101,7 @@
           <a:lstStyle/>
           <a:p>
             <a:r>
-              <a:rPr lang="en-US" altLang="en-US" dirty="0" smtClean="0"/>
+              <a:rPr lang="en-US" altLang="en-US" dirty="0"/>
               <a:t>Example – with both extends and implements</a:t>
             </a:r>
             <a:endParaRPr lang="en-US" dirty="0"/>
@@ -10287,7 +10130,7 @@
               <a:buNone/>
             </a:pPr>
             <a:r>
-              <a:rPr lang="en-US" sz="1400" dirty="0" smtClean="0"/>
+              <a:rPr lang="en-US" sz="1400" dirty="0"/>
               <a:t>interface Flyable{</a:t>
             </a:r>
           </a:p>
@@ -10299,14 +10142,14 @@
               <a:buNone/>
             </a:pPr>
             <a:r>
-              <a:rPr lang="en-US" sz="1400" dirty="0" smtClean="0"/>
+              <a:rPr lang="en-US" sz="1400" dirty="0"/>
               <a:t>public static final String </a:t>
             </a:r>
             <a:r>
-              <a:rPr lang="en-US" sz="1400" i="1" dirty="0" smtClean="0"/>
+              <a:rPr lang="en-US" sz="1400" i="1" dirty="0"/>
               <a:t>media = "Sky“;</a:t>
             </a:r>
-            <a:endParaRPr lang="en-US" sz="1400" dirty="0" smtClean="0"/>
+            <a:endParaRPr lang="en-US" sz="1400" dirty="0"/>
           </a:p>
           <a:p>
             <a:pPr lvl="1">
@@ -10316,7 +10159,7 @@
               <a:buNone/>
             </a:pPr>
             <a:r>
-              <a:rPr lang="en-US" sz="1400" dirty="0" smtClean="0"/>
+              <a:rPr lang="en-US" sz="1400" dirty="0"/>
               <a:t>public abstract void fly();</a:t>
             </a:r>
           </a:p>
@@ -10328,7 +10171,7 @@
               <a:buNone/>
             </a:pPr>
             <a:r>
-              <a:rPr lang="en-US" sz="1400" dirty="0" smtClean="0"/>
+              <a:rPr lang="en-US" sz="1400" dirty="0"/>
               <a:t>}</a:t>
             </a:r>
           </a:p>
@@ -10339,7 +10182,7 @@
               </a:spcBef>
               <a:buNone/>
             </a:pPr>
-            <a:endParaRPr lang="en-US" sz="1400" dirty="0" smtClean="0"/>
+            <a:endParaRPr lang="en-US" sz="1400" dirty="0"/>
           </a:p>
           <a:p>
             <a:pPr>
@@ -10349,7 +10192,7 @@
               <a:buNone/>
             </a:pPr>
             <a:r>
-              <a:rPr lang="en-US" sz="1400" dirty="0" smtClean="0"/>
+              <a:rPr lang="en-US" sz="1400" dirty="0"/>
               <a:t>interface Floatable{</a:t>
             </a:r>
           </a:p>
@@ -10361,15 +10204,15 @@
               <a:buNone/>
             </a:pPr>
             <a:r>
-              <a:rPr lang="en-US" sz="1400" dirty="0" smtClean="0"/>
+              <a:rPr lang="en-US" sz="1400" dirty="0"/>
               <a:t>	public abstract void </a:t>
             </a:r>
             <a:r>
-              <a:rPr lang="en-US" sz="1400" dirty="0" err="1" smtClean="0"/>
+              <a:rPr lang="en-US" sz="1400" dirty="0" err="1"/>
               <a:t>canFloat</a:t>
             </a:r>
             <a:r>
-              <a:rPr lang="en-US" sz="1400" dirty="0" smtClean="0"/>
+              <a:rPr lang="en-US" sz="1400" dirty="0"/>
               <a:t>();</a:t>
             </a:r>
           </a:p>
@@ -10381,7 +10224,7 @@
               <a:buNone/>
             </a:pPr>
             <a:r>
-              <a:rPr lang="en-US" sz="1400" dirty="0" smtClean="0"/>
+              <a:rPr lang="en-US" sz="1400" dirty="0"/>
               <a:t>}</a:t>
             </a:r>
           </a:p>
@@ -10392,14 +10235,14 @@
               </a:spcBef>
               <a:buNone/>
             </a:pPr>
-            <a:endParaRPr lang="en-US" sz="1400" dirty="0" smtClean="0"/>
+            <a:endParaRPr lang="en-US" sz="1400" dirty="0"/>
           </a:p>
           <a:p>
             <a:pPr>
               <a:buNone/>
             </a:pPr>
             <a:r>
-              <a:rPr lang="en-US" sz="1400" dirty="0" smtClean="0"/>
+              <a:rPr lang="en-US" sz="1400" dirty="0"/>
               <a:t>class Animal{</a:t>
             </a:r>
           </a:p>
@@ -10408,7 +10251,7 @@
               <a:buNone/>
             </a:pPr>
             <a:r>
-              <a:rPr lang="en-US" sz="1400" dirty="0" smtClean="0"/>
+              <a:rPr lang="en-US" sz="1400" dirty="0"/>
               <a:t>	String name, color;</a:t>
             </a:r>
           </a:p>
@@ -10417,7 +10260,7 @@
               <a:buNone/>
             </a:pPr>
             <a:r>
-              <a:rPr lang="en-US" sz="1400" dirty="0" smtClean="0"/>
+              <a:rPr lang="en-US" sz="1400" dirty="0"/>
               <a:t>}</a:t>
             </a:r>
           </a:p>
@@ -10428,7 +10271,7 @@
               </a:spcBef>
               <a:buNone/>
             </a:pPr>
-            <a:endParaRPr lang="en-US" sz="1400" dirty="0" smtClean="0"/>
+            <a:endParaRPr lang="en-US" sz="1400" dirty="0"/>
           </a:p>
           <a:p>
             <a:pPr>
@@ -10438,7 +10281,7 @@
               <a:buNone/>
             </a:pPr>
             <a:r>
-              <a:rPr lang="en-US" sz="1400" dirty="0" smtClean="0"/>
+              <a:rPr lang="en-US" sz="1400" dirty="0"/>
               <a:t>class Bird extends Animal implements Flyable, Floatable{</a:t>
             </a:r>
           </a:p>
@@ -10450,7 +10293,7 @@
               <a:buNone/>
             </a:pPr>
             <a:r>
-              <a:rPr lang="en-US" sz="1400" dirty="0" smtClean="0"/>
+              <a:rPr lang="en-US" sz="1400" dirty="0"/>
               <a:t>public void fly() {</a:t>
             </a:r>
           </a:p>
@@ -10462,27 +10305,27 @@
               <a:buNone/>
             </a:pPr>
             <a:r>
-              <a:rPr lang="en-US" sz="1400" dirty="0" smtClean="0"/>
+              <a:rPr lang="en-US" sz="1400" dirty="0"/>
               <a:t>	</a:t>
             </a:r>
             <a:r>
-              <a:rPr lang="en-US" sz="1400" dirty="0" err="1" smtClean="0"/>
+              <a:rPr lang="en-US" sz="1400" dirty="0" err="1"/>
               <a:t>System.</a:t>
             </a:r>
             <a:r>
-              <a:rPr lang="en-US" sz="1400" i="1" dirty="0" err="1" smtClean="0"/>
+              <a:rPr lang="en-US" sz="1400" i="1" dirty="0" err="1"/>
               <a:t>out.println</a:t>
             </a:r>
             <a:r>
-              <a:rPr lang="en-US" sz="1400" i="1" dirty="0" smtClean="0"/>
+              <a:rPr lang="en-US" sz="1400" i="1" dirty="0"/>
               <a:t>("Bird can fly in the " + </a:t>
             </a:r>
             <a:r>
-              <a:rPr lang="en-US" sz="1400" i="1" dirty="0" err="1" smtClean="0"/>
+              <a:rPr lang="en-US" sz="1400" i="1" dirty="0" err="1"/>
               <a:t>Flyable.media</a:t>
             </a:r>
             <a:r>
-              <a:rPr lang="en-US" sz="1400" i="1" dirty="0" smtClean="0"/>
+              <a:rPr lang="en-US" sz="1400" i="1" dirty="0"/>
               <a:t>);</a:t>
             </a:r>
           </a:p>
@@ -10494,7 +10337,7 @@
               <a:buNone/>
             </a:pPr>
             <a:r>
-              <a:rPr lang="en-US" sz="1400" dirty="0" smtClean="0"/>
+              <a:rPr lang="en-US" sz="1400" dirty="0"/>
               <a:t>}</a:t>
             </a:r>
           </a:p>
@@ -10505,7 +10348,7 @@
               </a:spcBef>
               <a:buNone/>
             </a:pPr>
-            <a:endParaRPr lang="en-US" sz="1400" dirty="0" smtClean="0"/>
+            <a:endParaRPr lang="en-US" sz="1400" dirty="0"/>
           </a:p>
           <a:p>
             <a:pPr lvl="1">
@@ -10515,15 +10358,15 @@
               <a:buNone/>
             </a:pPr>
             <a:r>
-              <a:rPr lang="en-US" sz="1400" dirty="0" smtClean="0"/>
+              <a:rPr lang="en-US" sz="1400" dirty="0"/>
               <a:t>public void </a:t>
             </a:r>
             <a:r>
-              <a:rPr lang="en-US" sz="1400" dirty="0" err="1" smtClean="0"/>
+              <a:rPr lang="en-US" sz="1400" dirty="0" err="1"/>
               <a:t>canFloat</a:t>
             </a:r>
             <a:r>
-              <a:rPr lang="en-US" sz="1400" dirty="0" smtClean="0"/>
+              <a:rPr lang="en-US" sz="1400" dirty="0"/>
               <a:t>() {</a:t>
             </a:r>
           </a:p>
@@ -10535,19 +10378,19 @@
               <a:buNone/>
             </a:pPr>
             <a:r>
-              <a:rPr lang="en-US" sz="1400" dirty="0" smtClean="0"/>
+              <a:rPr lang="en-US" sz="1400" dirty="0"/>
               <a:t>	</a:t>
             </a:r>
             <a:r>
-              <a:rPr lang="en-US" sz="1400" dirty="0" err="1" smtClean="0"/>
+              <a:rPr lang="en-US" sz="1400" dirty="0" err="1"/>
               <a:t>System.</a:t>
             </a:r>
             <a:r>
-              <a:rPr lang="en-US" sz="1400" i="1" dirty="0" err="1" smtClean="0"/>
+              <a:rPr lang="en-US" sz="1400" i="1" dirty="0" err="1"/>
               <a:t>out.println</a:t>
             </a:r>
             <a:r>
-              <a:rPr lang="en-US" sz="1400" i="1" dirty="0" smtClean="0"/>
+              <a:rPr lang="en-US" sz="1400" i="1" dirty="0"/>
               <a:t>("Bird can float in air.");</a:t>
             </a:r>
           </a:p>
@@ -10559,7 +10402,7 @@
               <a:buNone/>
             </a:pPr>
             <a:r>
-              <a:rPr lang="en-US" sz="1400" dirty="0" smtClean="0"/>
+              <a:rPr lang="en-US" sz="1400" dirty="0"/>
               <a:t>}</a:t>
             </a:r>
           </a:p>
@@ -10571,10 +10414,9 @@
               <a:buNone/>
             </a:pPr>
             <a:r>
-              <a:rPr lang="en-US" sz="1400" dirty="0" smtClean="0"/>
+              <a:rPr lang="en-US" sz="1400" dirty="0"/>
               <a:t>}</a:t>
             </a:r>
-            <a:endParaRPr lang="en-US" sz="1400" dirty="0"/>
           </a:p>
         </p:txBody>
       </p:sp>
@@ -10605,10 +10447,9 @@
           <a:lstStyle/>
           <a:p>
             <a:r>
-              <a:rPr lang="en-US" sz="1400" dirty="0" smtClean="0"/>
+              <a:rPr lang="en-US" sz="1400" dirty="0"/>
               <a:t>“extends” should appear before “implements”</a:t>
             </a:r>
-            <a:endParaRPr lang="en-US" sz="1400" dirty="0"/>
           </a:p>
         </p:txBody>
       </p:sp>
@@ -10653,10 +10494,9 @@
           <a:lstStyle/>
           <a:p>
             <a:r>
-              <a:rPr lang="en-US" dirty="0" smtClean="0"/>
+              <a:rPr lang="en-US" dirty="0"/>
               <a:t>Extending multiple interfaces</a:t>
             </a:r>
-            <a:endParaRPr lang="en-US" dirty="0"/>
           </a:p>
         </p:txBody>
       </p:sp>
@@ -10676,70 +10516,69 @@
           <a:lstStyle/>
           <a:p>
             <a:r>
-              <a:rPr lang="en-US" dirty="0" smtClean="0"/>
+              <a:rPr lang="en-US" dirty="0"/>
               <a:t>A Java </a:t>
             </a:r>
             <a:r>
-              <a:rPr lang="en-US" b="1" dirty="0" smtClean="0"/>
+              <a:rPr lang="en-US" b="1" dirty="0"/>
               <a:t>class</a:t>
             </a:r>
             <a:r>
-              <a:rPr lang="en-US" dirty="0" smtClean="0"/>
+              <a:rPr lang="en-US" dirty="0"/>
               <a:t> can only extend one parent class. Multiple inheritance is not allowed.</a:t>
             </a:r>
           </a:p>
           <a:p>
             <a:r>
-              <a:rPr lang="en-US" b="1" dirty="0" smtClean="0"/>
+              <a:rPr lang="en-US" b="1" dirty="0"/>
               <a:t>Interfaces</a:t>
             </a:r>
             <a:r>
-              <a:rPr lang="en-US" dirty="0" smtClean="0"/>
+              <a:rPr lang="en-US" dirty="0"/>
               <a:t> are not classes, however, and an interface can extend more than one parent interface.</a:t>
             </a:r>
           </a:p>
           <a:p>
             <a:r>
-              <a:rPr lang="en-US" dirty="0" smtClean="0"/>
+              <a:rPr lang="en-US" dirty="0"/>
               <a:t>The </a:t>
             </a:r>
             <a:r>
-              <a:rPr lang="en-US" b="1" dirty="0" smtClean="0"/>
+              <a:rPr lang="en-US" b="1" dirty="0"/>
               <a:t>extends</a:t>
             </a:r>
             <a:r>
-              <a:rPr lang="en-US" dirty="0" smtClean="0"/>
+              <a:rPr lang="en-US" dirty="0"/>
               <a:t> keyword is used once, and the parent interfaces are declared in a </a:t>
             </a:r>
             <a:r>
-              <a:rPr lang="en-US" b="1" dirty="0" smtClean="0"/>
+              <a:rPr lang="en-US" b="1" dirty="0"/>
               <a:t>comma-separated</a:t>
             </a:r>
             <a:r>
-              <a:rPr lang="en-US" dirty="0" smtClean="0"/>
+              <a:rPr lang="en-US" dirty="0"/>
               <a:t> list.</a:t>
             </a:r>
           </a:p>
           <a:p>
             <a:r>
-              <a:rPr lang="en-US" dirty="0" smtClean="0"/>
+              <a:rPr lang="en-US" dirty="0"/>
               <a:t>For example, </a:t>
             </a:r>
           </a:p>
           <a:p>
             <a:pPr lvl="1"/>
             <a:r>
-              <a:rPr lang="en-US" dirty="0" smtClean="0"/>
+              <a:rPr lang="en-US" dirty="0"/>
               <a:t>if the Hockey interface extended both Sports and Event, it would be declared as −</a:t>
             </a:r>
           </a:p>
           <a:p>
             <a:pPr lvl="1"/>
             <a:r>
-              <a:rPr lang="en-US" b="1" dirty="0" smtClean="0"/>
+              <a:rPr lang="en-US" b="1" dirty="0"/>
               <a:t>public interface Hockey extends Sports, Event</a:t>
             </a:r>
-            <a:endParaRPr lang="en-US" b="1" dirty="0"/>
           </a:p>
         </p:txBody>
       </p:sp>
@@ -10786,10 +10625,9 @@
           <a:lstStyle/>
           <a:p>
             <a:r>
-              <a:rPr lang="en-US" dirty="0" smtClean="0"/>
+              <a:rPr lang="en-US" dirty="0"/>
               <a:t>Relationship between classes &amp; interfaces</a:t>
             </a:r>
-            <a:endParaRPr lang="en-US" dirty="0"/>
           </a:p>
         </p:txBody>
       </p:sp>
@@ -10809,18 +10647,17 @@
           <a:lstStyle/>
           <a:p>
             <a:r>
-              <a:rPr lang="en-US" dirty="0" smtClean="0"/>
+              <a:rPr lang="en-US" dirty="0"/>
               <a:t>As shown in the figure given below, a class extends another class, an interface extends another interface but a </a:t>
             </a:r>
             <a:r>
-              <a:rPr lang="en-US" b="1" dirty="0" smtClean="0"/>
+              <a:rPr lang="en-US" b="1" dirty="0"/>
               <a:t>class implements an interface</a:t>
             </a:r>
             <a:r>
-              <a:rPr lang="en-US" dirty="0" smtClean="0"/>
+              <a:rPr lang="en-US" dirty="0"/>
               <a:t>.</a:t>
             </a:r>
-            <a:endParaRPr lang="en-US" dirty="0"/>
           </a:p>
         </p:txBody>
       </p:sp>
@@ -10894,10 +10731,9 @@
               <a:defRPr/>
             </a:pPr>
             <a:r>
-              <a:rPr lang="en-US" dirty="0" smtClean="0"/>
+              <a:rPr lang="en-US" dirty="0"/>
               <a:t>Why use Interface</a:t>
             </a:r>
-            <a:endParaRPr lang="en-US" dirty="0"/>
           </a:p>
         </p:txBody>
       </p:sp>
@@ -10918,67 +10754,67 @@
           <a:p>
             <a:pPr eaLnBrk="1" hangingPunct="1"/>
             <a:r>
-              <a:rPr lang="en-US" altLang="en-US" dirty="0" smtClean="0"/>
+              <a:rPr lang="en-US" altLang="en-US" dirty="0"/>
               <a:t>Java has single inheritance, only </a:t>
             </a:r>
           </a:p>
           <a:p>
             <a:pPr lvl="1" eaLnBrk="1" hangingPunct="1"/>
             <a:r>
-              <a:rPr lang="en-US" altLang="en-US" dirty="0" smtClean="0"/>
+              <a:rPr lang="en-US" altLang="en-US" dirty="0"/>
               <a:t>This means that a child class inherits from only one parent class </a:t>
             </a:r>
           </a:p>
           <a:p>
             <a:pPr lvl="1" eaLnBrk="1" hangingPunct="1"/>
             <a:r>
-              <a:rPr lang="en-US" altLang="en-US" dirty="0" smtClean="0"/>
+              <a:rPr lang="en-US" altLang="en-US" dirty="0"/>
               <a:t>Sometimes multiple inheritance would be convenient </a:t>
             </a:r>
           </a:p>
           <a:p>
             <a:pPr lvl="1" eaLnBrk="1" hangingPunct="1"/>
             <a:r>
-              <a:rPr lang="en-US" altLang="en-US" i="1" dirty="0" smtClean="0"/>
+              <a:rPr lang="en-US" altLang="en-US" i="1" dirty="0"/>
               <a:t>Interfaces</a:t>
             </a:r>
             <a:r>
-              <a:rPr lang="en-US" altLang="en-US" dirty="0" smtClean="0"/>
+              <a:rPr lang="en-US" altLang="en-US" dirty="0"/>
               <a:t> give Java some of the advantages of multiple inheritance without incurring the disadvantages </a:t>
             </a:r>
           </a:p>
           <a:p>
             <a:pPr eaLnBrk="1" hangingPunct="1"/>
             <a:r>
-              <a:rPr lang="en-US" altLang="en-US" dirty="0" smtClean="0"/>
+              <a:rPr lang="en-US" altLang="en-US" dirty="0"/>
               <a:t>Provide capability for unrelated classes to implement a set of common methods</a:t>
             </a:r>
           </a:p>
           <a:p>
             <a:pPr lvl="1" eaLnBrk="1" hangingPunct="1"/>
             <a:r>
-              <a:rPr lang="en-US" altLang="en-US" dirty="0" smtClean="0"/>
+              <a:rPr lang="en-US" altLang="en-US" dirty="0"/>
               <a:t>Implementing an interface is a “</a:t>
             </a:r>
             <a:r>
-              <a:rPr lang="en-US" altLang="en-US" b="1" dirty="0" smtClean="0"/>
+              <a:rPr lang="en-US" altLang="en-US" b="1" dirty="0"/>
               <a:t>promise</a:t>
             </a:r>
             <a:r>
-              <a:rPr lang="en-US" altLang="en-US" dirty="0" smtClean="0"/>
+              <a:rPr lang="en-US" altLang="en-US" dirty="0"/>
               <a:t>” to include the specified method(s)</a:t>
             </a:r>
           </a:p>
           <a:p>
             <a:pPr eaLnBrk="1" hangingPunct="1"/>
             <a:r>
-              <a:rPr lang="en-US" altLang="en-US" dirty="0" smtClean="0"/>
+              <a:rPr lang="en-US" altLang="en-US" dirty="0"/>
               <a:t>Define and standardize ways people and systems can interact.</a:t>
             </a:r>
           </a:p>
           <a:p>
             <a:pPr eaLnBrk="1" hangingPunct="1"/>
-            <a:endParaRPr lang="en-US" altLang="en-US" dirty="0" smtClean="0"/>
+            <a:endParaRPr lang="en-US" altLang="en-US" dirty="0"/>
           </a:p>
         </p:txBody>
       </p:sp>
@@ -11069,57 +10905,57 @@
           <a:p>
             <a:pPr eaLnBrk="1" hangingPunct="1"/>
             <a:r>
-              <a:rPr lang="en-US" altLang="en-US" dirty="0" smtClean="0"/>
+              <a:rPr lang="en-US" altLang="en-US" dirty="0"/>
               <a:t>An interface, like a class, defines a </a:t>
             </a:r>
             <a:r>
-              <a:rPr lang="en-US" altLang="en-US" b="1" dirty="0" smtClean="0"/>
+              <a:rPr lang="en-US" altLang="en-US" b="1" dirty="0"/>
               <a:t>type</a:t>
             </a:r>
             <a:r>
-              <a:rPr lang="en-US" altLang="en-US" dirty="0" smtClean="0"/>
+              <a:rPr lang="en-US" altLang="en-US" dirty="0"/>
               <a:t>. </a:t>
             </a:r>
           </a:p>
           <a:p>
             <a:pPr lvl="1" eaLnBrk="1" hangingPunct="1"/>
             <a:r>
-              <a:rPr lang="en-US" altLang="en-US" dirty="0" smtClean="0"/>
+              <a:rPr lang="en-US" altLang="en-US" dirty="0"/>
               <a:t>Fields, variables, and parameters can be declared to be of a type defined by an interface.</a:t>
             </a:r>
           </a:p>
           <a:p>
             <a:pPr lvl="1" eaLnBrk="1" hangingPunct="1"/>
             <a:r>
-              <a:rPr lang="en-US" dirty="0" smtClean="0"/>
+              <a:rPr lang="en-US" dirty="0"/>
               <a:t>Java Interface also </a:t>
             </a:r>
             <a:r>
-              <a:rPr lang="en-US" b="1" dirty="0" smtClean="0"/>
+              <a:rPr lang="en-US" b="1" dirty="0"/>
               <a:t>represents IS-A relationship</a:t>
             </a:r>
             <a:r>
-              <a:rPr lang="en-US" dirty="0" smtClean="0"/>
+              <a:rPr lang="en-US" dirty="0"/>
               <a:t>. So, interface can be used for subclass polymorphism.</a:t>
             </a:r>
           </a:p>
           <a:p>
             <a:pPr eaLnBrk="1" hangingPunct="1"/>
             <a:r>
-              <a:rPr lang="en-US" dirty="0" smtClean="0"/>
+              <a:rPr lang="en-US" dirty="0"/>
               <a:t>Remember the 2 classes(Birds and Airplane) that implemented Flyable interface, </a:t>
             </a:r>
           </a:p>
           <a:p>
             <a:pPr lvl="1" eaLnBrk="1" hangingPunct="1"/>
             <a:r>
-              <a:rPr lang="en-US" dirty="0" smtClean="0"/>
+              <a:rPr lang="en-US" dirty="0"/>
               <a:t>we can create object of Bird or Airplane and assign those to a Flyable variable as shown below.</a:t>
             </a:r>
           </a:p>
           <a:p>
             <a:pPr lvl="1" eaLnBrk="1" hangingPunct="1"/>
-            <a:endParaRPr lang="en-US" sz="1100" dirty="0" smtClean="0"/>
+            <a:endParaRPr lang="en-US" sz="1100" dirty="0"/>
           </a:p>
           <a:p>
             <a:pPr marL="274637" lvl="1" indent="0">
@@ -11129,15 +10965,15 @@
               <a:buNone/>
             </a:pPr>
             <a:r>
-              <a:rPr lang="en-US" sz="1400" dirty="0" smtClean="0"/>
+              <a:rPr lang="en-US" sz="1400" dirty="0"/>
               <a:t>public class </a:t>
             </a:r>
             <a:r>
-              <a:rPr lang="en-US" sz="1400" dirty="0" err="1" smtClean="0"/>
+              <a:rPr lang="en-US" sz="1400" dirty="0" err="1"/>
               <a:t>TestInterface</a:t>
             </a:r>
             <a:r>
-              <a:rPr lang="en-US" sz="1400" dirty="0" smtClean="0"/>
+              <a:rPr lang="en-US" sz="1400" dirty="0"/>
               <a:t> {</a:t>
             </a:r>
           </a:p>
@@ -11149,15 +10985,15 @@
               <a:buNone/>
             </a:pPr>
             <a:r>
-              <a:rPr lang="en-US" sz="1600" dirty="0" smtClean="0"/>
+              <a:rPr lang="en-US" sz="1600" dirty="0"/>
               <a:t>public static void main(String[] </a:t>
             </a:r>
             <a:r>
-              <a:rPr lang="en-US" sz="1600" dirty="0" err="1" smtClean="0"/>
+              <a:rPr lang="en-US" sz="1600" dirty="0" err="1"/>
               <a:t>args</a:t>
             </a:r>
             <a:r>
-              <a:rPr lang="en-US" sz="1600" dirty="0" smtClean="0"/>
+              <a:rPr lang="en-US" sz="1600" dirty="0"/>
               <a:t>) {</a:t>
             </a:r>
           </a:p>
@@ -11169,11 +11005,11 @@
               <a:buNone/>
             </a:pPr>
             <a:r>
-              <a:rPr lang="en-US" b="1" dirty="0" smtClean="0"/>
+              <a:rPr lang="en-US" b="1" dirty="0"/>
               <a:t>Flyable</a:t>
             </a:r>
             <a:r>
-              <a:rPr lang="en-US" dirty="0" smtClean="0"/>
+              <a:rPr lang="en-US" dirty="0"/>
               <a:t> b = new Bird();</a:t>
             </a:r>
           </a:p>
@@ -11185,11 +11021,11 @@
               <a:buNone/>
             </a:pPr>
             <a:r>
-              <a:rPr lang="en-US" b="1" dirty="0" smtClean="0"/>
+              <a:rPr lang="en-US" b="1" dirty="0"/>
               <a:t>Flyable</a:t>
             </a:r>
             <a:r>
-              <a:rPr lang="en-US" dirty="0" smtClean="0"/>
+              <a:rPr lang="en-US" dirty="0"/>
               <a:t> a = new Airplane ();</a:t>
             </a:r>
           </a:p>
@@ -11201,7 +11037,7 @@
               <a:buNone/>
             </a:pPr>
             <a:r>
-              <a:rPr lang="en-US" dirty="0" smtClean="0"/>
+              <a:rPr lang="en-US" dirty="0"/>
               <a:t>a.fly();</a:t>
             </a:r>
           </a:p>
@@ -11213,7 +11049,7 @@
               <a:buNone/>
             </a:pPr>
             <a:r>
-              <a:rPr lang="en-US" dirty="0" smtClean="0"/>
+              <a:rPr lang="en-US" dirty="0"/>
               <a:t>b.fly();</a:t>
             </a:r>
           </a:p>
@@ -11225,7 +11061,7 @@
               <a:buNone/>
             </a:pPr>
             <a:r>
-              <a:rPr lang="en-US" sz="1600" dirty="0" smtClean="0"/>
+              <a:rPr lang="en-US" sz="1600" dirty="0"/>
               <a:t>}</a:t>
             </a:r>
           </a:p>
@@ -11237,7 +11073,7 @@
               <a:buNone/>
             </a:pPr>
             <a:r>
-              <a:rPr lang="en-US" sz="1400" dirty="0" smtClean="0"/>
+              <a:rPr lang="en-US" sz="1400" dirty="0"/>
               <a:t>}</a:t>
             </a:r>
             <a:endParaRPr lang="en-US" dirty="0"/>
@@ -11260,10 +11096,9 @@
           <a:lstStyle/>
           <a:p>
             <a:r>
-              <a:rPr lang="en-US" dirty="0" smtClean="0"/>
+              <a:rPr lang="en-US" dirty="0"/>
               <a:t>Interface as data type</a:t>
             </a:r>
-            <a:endParaRPr lang="en-US" dirty="0"/>
           </a:p>
         </p:txBody>
       </p:sp>
@@ -11313,10 +11148,9 @@
               <a:defRPr/>
             </a:pPr>
             <a:r>
-              <a:rPr lang="en-US" dirty="0" smtClean="0"/>
+              <a:rPr lang="en-US" dirty="0"/>
               <a:t>When to use - Abstract Class vs. Interface</a:t>
             </a:r>
-            <a:endParaRPr lang="en-US" dirty="0"/>
           </a:p>
         </p:txBody>
       </p:sp>
@@ -11337,35 +11171,35 @@
           <a:p>
             <a:pPr eaLnBrk="1" hangingPunct="1"/>
             <a:r>
-              <a:rPr lang="en-US" altLang="en-US" dirty="0" smtClean="0"/>
+              <a:rPr lang="en-US" altLang="en-US" dirty="0"/>
               <a:t>Let B &amp; C be classes. Assume both B and C has some commonalities. </a:t>
             </a:r>
           </a:p>
           <a:p>
             <a:pPr eaLnBrk="1" hangingPunct="1"/>
             <a:r>
-              <a:rPr lang="en-US" altLang="en-US" dirty="0" smtClean="0"/>
+              <a:rPr lang="en-US" altLang="en-US" dirty="0"/>
               <a:t>So, we make A the parent class of B and C.</a:t>
             </a:r>
           </a:p>
           <a:p>
             <a:pPr lvl="1" eaLnBrk="1" hangingPunct="1"/>
             <a:r>
-              <a:rPr lang="en-US" altLang="en-US" dirty="0" smtClean="0"/>
+              <a:rPr lang="en-US" altLang="en-US" dirty="0"/>
               <a:t>A can hold the methods and fields that are common between B and C.</a:t>
             </a:r>
           </a:p>
           <a:p>
             <a:pPr eaLnBrk="1" hangingPunct="1"/>
-            <a:endParaRPr lang="en-US" altLang="en-US" dirty="0" smtClean="0"/>
+            <a:endParaRPr lang="en-US" altLang="en-US" dirty="0"/>
           </a:p>
           <a:p>
             <a:pPr eaLnBrk="1" hangingPunct="1"/>
-            <a:endParaRPr lang="en-US" altLang="en-US" dirty="0" smtClean="0"/>
+            <a:endParaRPr lang="en-US" altLang="en-US" dirty="0"/>
           </a:p>
           <a:p>
             <a:pPr eaLnBrk="1" hangingPunct="1"/>
-            <a:endParaRPr lang="en-US" altLang="en-US" dirty="0" smtClean="0"/>
+            <a:endParaRPr lang="en-US" altLang="en-US" dirty="0"/>
           </a:p>
         </p:txBody>
       </p:sp>
@@ -11699,10 +11533,9 @@
             <a:p>
               <a:pPr eaLnBrk="1" hangingPunct="1"/>
               <a:r>
-                <a:rPr lang="en-US" altLang="en-US" dirty="0" smtClean="0"/>
+                <a:rPr lang="en-US" altLang="en-US" dirty="0"/>
                 <a:t>A (Concrete Class)</a:t>
               </a:r>
-              <a:endParaRPr lang="en-US" altLang="en-US" dirty="0"/>
             </a:p>
           </p:txBody>
         </p:sp>
@@ -11973,10 +11806,9 @@
               <a:defRPr/>
             </a:pPr>
             <a:r>
-              <a:rPr lang="en-US" dirty="0" smtClean="0"/>
+              <a:rPr lang="en-US" dirty="0"/>
               <a:t>When to use - Abstract Class vs. Interface</a:t>
             </a:r>
-            <a:endParaRPr lang="en-US" dirty="0"/>
           </a:p>
         </p:txBody>
       </p:sp>
@@ -11997,14 +11829,14 @@
           <a:p>
             <a:pPr eaLnBrk="1" hangingPunct="1"/>
             <a:r>
-              <a:rPr lang="en-US" altLang="en-US" dirty="0" smtClean="0"/>
+              <a:rPr lang="en-US" altLang="en-US" dirty="0"/>
               <a:t>If a method in B is so different from the same method in C, there is no shared implementation possible in A. </a:t>
             </a:r>
           </a:p>
           <a:p>
             <a:pPr lvl="1" eaLnBrk="1" hangingPunct="1"/>
             <a:r>
-              <a:rPr lang="en-US" altLang="en-US" dirty="0" smtClean="0"/>
+              <a:rPr lang="en-US" altLang="en-US" dirty="0"/>
               <a:t>We can make the method and A an abstract classes. The methods in A then indicate which methods must be implemented in B and C. A can act as type, which can hold objects of type B or C.</a:t>
             </a:r>
           </a:p>
@@ -12012,7 +11844,7 @@
             <a:pPr eaLnBrk="1" hangingPunct="1">
               <a:buNone/>
             </a:pPr>
-            <a:endParaRPr lang="en-US" altLang="en-US" dirty="0" smtClean="0"/>
+            <a:endParaRPr lang="en-US" altLang="en-US" dirty="0"/>
           </a:p>
         </p:txBody>
       </p:sp>
@@ -12346,10 +12178,9 @@
             <a:p>
               <a:pPr eaLnBrk="1" hangingPunct="1"/>
               <a:r>
-                <a:rPr lang="en-US" altLang="en-US" dirty="0" smtClean="0"/>
+                <a:rPr lang="en-US" altLang="en-US" dirty="0"/>
                 <a:t>A (Abstract Class)</a:t>
               </a:r>
-              <a:endParaRPr lang="en-US" altLang="en-US" dirty="0"/>
             </a:p>
           </p:txBody>
         </p:sp>
@@ -12620,10 +12451,9 @@
               <a:defRPr/>
             </a:pPr>
             <a:r>
-              <a:rPr lang="en-US" dirty="0" smtClean="0"/>
+              <a:rPr lang="en-US" dirty="0"/>
               <a:t>When to use - Abstract Class vs. Interface</a:t>
             </a:r>
-            <a:endParaRPr lang="en-US" dirty="0"/>
           </a:p>
         </p:txBody>
       </p:sp>
@@ -12644,30 +12474,30 @@
           <a:p>
             <a:pPr eaLnBrk="1" hangingPunct="1"/>
             <a:r>
-              <a:rPr lang="en-US" altLang="en-US" dirty="0" smtClean="0"/>
+              <a:rPr lang="en-US" altLang="en-US" dirty="0"/>
               <a:t>But if </a:t>
             </a:r>
             <a:r>
-              <a:rPr lang="en-US" altLang="en-US" b="1" dirty="0" smtClean="0"/>
+              <a:rPr lang="en-US" altLang="en-US" b="1" dirty="0"/>
               <a:t>all</a:t>
             </a:r>
             <a:r>
-              <a:rPr lang="en-US" altLang="en-US" dirty="0" smtClean="0"/>
+              <a:rPr lang="en-US" altLang="en-US" dirty="0"/>
               <a:t> the methods of B must be implemented differently than the same method in C. And there is </a:t>
             </a:r>
             <a:r>
-              <a:rPr lang="en-US" altLang="en-US" b="1" dirty="0" smtClean="0"/>
+              <a:rPr lang="en-US" altLang="en-US" b="1" dirty="0"/>
               <a:t>no common attributes</a:t>
             </a:r>
             <a:r>
-              <a:rPr lang="en-US" altLang="en-US" dirty="0" smtClean="0"/>
+              <a:rPr lang="en-US" altLang="en-US" dirty="0"/>
               <a:t> between B and C, make A an </a:t>
             </a:r>
             <a:r>
-              <a:rPr lang="en-US" altLang="en-US" b="1" dirty="0" smtClean="0"/>
+              <a:rPr lang="en-US" altLang="en-US" b="1" dirty="0"/>
               <a:t>interface.</a:t>
             </a:r>
-            <a:endParaRPr lang="en-US" altLang="en-US" dirty="0" smtClean="0"/>
+            <a:endParaRPr lang="en-US" altLang="en-US" dirty="0"/>
           </a:p>
         </p:txBody>
       </p:sp>
@@ -13001,10 +12831,9 @@
             <a:p>
               <a:pPr eaLnBrk="1" hangingPunct="1"/>
               <a:r>
-                <a:rPr lang="en-US" altLang="en-US" dirty="0" smtClean="0"/>
+                <a:rPr lang="en-US" altLang="en-US" dirty="0"/>
                 <a:t>A (interface)</a:t>
               </a:r>
-              <a:endParaRPr lang="en-US" altLang="en-US" dirty="0"/>
             </a:p>
           </p:txBody>
         </p:sp>
@@ -13273,10 +13102,9 @@
               <a:defRPr/>
             </a:pPr>
             <a:r>
-              <a:rPr lang="en-US" dirty="0" smtClean="0"/>
+              <a:rPr lang="en-US" dirty="0"/>
               <a:t>Reference</a:t>
             </a:r>
-            <a:endParaRPr lang="en-US" dirty="0"/>
           </a:p>
         </p:txBody>
       </p:sp>
@@ -13302,32 +13130,32 @@
           <a:p>
             <a:pPr eaLnBrk="1" hangingPunct="1"/>
             <a:r>
-              <a:rPr lang="en-US" altLang="en-US" dirty="0" smtClean="0"/>
+              <a:rPr lang="en-US" altLang="en-US" dirty="0"/>
               <a:t>Java: Complete Reference: Chapter 7,8, 9</a:t>
             </a:r>
           </a:p>
           <a:p>
             <a:pPr eaLnBrk="1" hangingPunct="1"/>
             <a:r>
-              <a:rPr lang="en-US" altLang="en-US" dirty="0" smtClean="0"/>
+              <a:rPr lang="en-US" altLang="en-US" dirty="0"/>
               <a:t>Java: How to Program: Chapter 10</a:t>
             </a:r>
           </a:p>
           <a:p>
             <a:pPr eaLnBrk="1" hangingPunct="1"/>
-            <a:endParaRPr lang="en-US" altLang="en-US" dirty="0" smtClean="0"/>
+            <a:endParaRPr lang="en-US" altLang="en-US" dirty="0"/>
           </a:p>
           <a:p>
             <a:pPr eaLnBrk="1" hangingPunct="1"/>
             <a:r>
-              <a:rPr lang="en-US" altLang="en-US" dirty="0" smtClean="0"/>
+              <a:rPr lang="en-US" altLang="en-US" dirty="0"/>
               <a:t>Online Reference:</a:t>
             </a:r>
           </a:p>
           <a:p>
             <a:pPr lvl="1" eaLnBrk="1" hangingPunct="1"/>
             <a:r>
-              <a:rPr lang="en-US" altLang="en-US" dirty="0" smtClean="0">
+              <a:rPr lang="en-US" altLang="en-US" dirty="0">
                 <a:hlinkClick r:id="rId2"/>
               </a:rPr>
               <a:t>https://www.tutorialspoint.com/java/java_interfaces.htm </a:t>
@@ -13336,7 +13164,7 @@
           <a:p>
             <a:pPr lvl="1" eaLnBrk="1" hangingPunct="1"/>
             <a:r>
-              <a:rPr lang="en-US" altLang="en-US" dirty="0" smtClean="0">
+              <a:rPr lang="en-US" altLang="en-US" dirty="0">
                 <a:hlinkClick r:id="rId2"/>
               </a:rPr>
               <a:t>http://www.javatpoint.com/interface-in-java</a:t>
@@ -13345,30 +13173,30 @@
           <a:p>
             <a:pPr lvl="1" eaLnBrk="1" hangingPunct="1"/>
             <a:r>
-              <a:rPr lang="en-US" altLang="en-US" dirty="0" smtClean="0">
+              <a:rPr lang="en-US" altLang="en-US" dirty="0">
                 <a:hlinkClick r:id="rId2"/>
               </a:rPr>
               <a:t>https://www.youtube.com/watch?v=1Q4I63-hKcY</a:t>
             </a:r>
-            <a:endParaRPr lang="en-US" altLang="en-US" dirty="0" smtClean="0"/>
+            <a:endParaRPr lang="en-US" altLang="en-US" dirty="0"/>
           </a:p>
           <a:p>
             <a:pPr lvl="1" eaLnBrk="1" hangingPunct="1"/>
             <a:r>
-              <a:rPr lang="en-US" altLang="en-US" dirty="0" smtClean="0">
+              <a:rPr lang="en-US" altLang="en-US" dirty="0">
                 <a:hlinkClick r:id="rId3"/>
               </a:rPr>
               <a:t>https://www.youtube.com/watch?v=yyU3bXyc_oU</a:t>
             </a:r>
-            <a:endParaRPr lang="en-US" altLang="en-US" dirty="0" smtClean="0"/>
+            <a:endParaRPr lang="en-US" altLang="en-US" dirty="0"/>
           </a:p>
           <a:p>
             <a:pPr lvl="1" eaLnBrk="1" hangingPunct="1"/>
-            <a:endParaRPr lang="en-US" altLang="en-US" dirty="0" smtClean="0"/>
+            <a:endParaRPr lang="en-US" altLang="en-US" dirty="0"/>
           </a:p>
           <a:p>
             <a:pPr eaLnBrk="1" hangingPunct="1"/>
-            <a:endParaRPr lang="en-US" altLang="en-US" dirty="0" smtClean="0"/>
+            <a:endParaRPr lang="en-US" altLang="en-US" dirty="0"/>
           </a:p>
         </p:txBody>
       </p:sp>
@@ -13419,10 +13247,9 @@
               <a:defRPr/>
             </a:pPr>
             <a:r>
-              <a:rPr lang="en-US" dirty="0" smtClean="0"/>
+              <a:rPr lang="en-US" dirty="0"/>
               <a:t>Abstraction</a:t>
             </a:r>
-            <a:endParaRPr lang="en-US" dirty="0"/>
           </a:p>
         </p:txBody>
       </p:sp>
@@ -13451,7 +13278,7 @@
               <a:buChar char=""/>
             </a:pPr>
             <a:r>
-              <a:rPr lang="en-US" altLang="en-US" smtClean="0"/>
+              <a:rPr lang="en-US" altLang="en-US"/>
               <a:t>In OOP ( Object Oriented Programming ) , Abstraction facilitates the easy conceptualization of real world objects into the software program. </a:t>
             </a:r>
           </a:p>
@@ -13461,7 +13288,7 @@
               <a:buChar char=""/>
             </a:pPr>
             <a:r>
-              <a:rPr lang="en-US" altLang="en-US" smtClean="0"/>
+              <a:rPr lang="en-US" altLang="en-US"/>
               <a:t>Humans manage complexity through abstraction.</a:t>
             </a:r>
           </a:p>
@@ -13471,7 +13298,7 @@
               <a:buChar char=""/>
             </a:pPr>
             <a:r>
-              <a:rPr lang="en-US" altLang="en-US" smtClean="0"/>
+              <a:rPr lang="en-US" altLang="en-US"/>
               <a:t>Think about a car.</a:t>
             </a:r>
           </a:p>
@@ -13481,7 +13308,7 @@
               <a:buChar char=""/>
             </a:pPr>
             <a:r>
-              <a:rPr lang="en-US" altLang="en-US" smtClean="0"/>
+              <a:rPr lang="en-US" altLang="en-US"/>
               <a:t>Do you think of a car as a set of tens of thousands of individual parts?</a:t>
             </a:r>
           </a:p>
@@ -13491,7 +13318,7 @@
               <a:buChar char=""/>
             </a:pPr>
             <a:r>
-              <a:rPr lang="en-US" altLang="en-US" smtClean="0"/>
+              <a:rPr lang="en-US" altLang="en-US"/>
               <a:t>No, we think of it as a well-defined object with its own unique behavior. </a:t>
             </a:r>
           </a:p>
@@ -13501,7 +13328,7 @@
               <a:buChar char=""/>
             </a:pPr>
             <a:r>
-              <a:rPr lang="en-US" altLang="en-US" smtClean="0"/>
+              <a:rPr lang="en-US" altLang="en-US"/>
               <a:t>This abstraction allows people to use a car without being overwhelmed by the complexity of the parts that form the car. </a:t>
             </a:r>
           </a:p>
@@ -13554,7 +13381,7 @@
               <a:defRPr/>
             </a:pPr>
             <a:r>
-              <a:rPr lang="en-US" altLang="en-US" dirty="0" smtClean="0"/>
+              <a:rPr lang="en-US" altLang="en-US" dirty="0"/>
               <a:t>Abstract Class</a:t>
             </a:r>
           </a:p>
@@ -13577,112 +13404,112 @@
           <a:p>
             <a:pPr eaLnBrk="1" hangingPunct="1"/>
             <a:r>
-              <a:rPr lang="en-US" altLang="en-US" dirty="0" smtClean="0"/>
+              <a:rPr lang="en-US" altLang="en-US" dirty="0"/>
               <a:t>Abstract classes </a:t>
             </a:r>
           </a:p>
           <a:p>
             <a:pPr lvl="1" eaLnBrk="1" hangingPunct="1"/>
             <a:r>
-              <a:rPr lang="en-US" altLang="en-US" dirty="0" smtClean="0"/>
+              <a:rPr lang="en-US" altLang="en-US" dirty="0"/>
               <a:t>Are </a:t>
             </a:r>
             <a:r>
-              <a:rPr lang="en-US" altLang="en-US" b="1" dirty="0" err="1" smtClean="0"/>
+              <a:rPr lang="en-US" altLang="en-US" b="1" dirty="0" err="1"/>
               <a:t>superclasses</a:t>
             </a:r>
             <a:r>
-              <a:rPr lang="en-US" altLang="en-US" dirty="0" smtClean="0"/>
+              <a:rPr lang="en-US" altLang="en-US" dirty="0"/>
               <a:t> (called </a:t>
             </a:r>
             <a:r>
-              <a:rPr lang="en-US" altLang="en-US" u="sng" dirty="0" smtClean="0"/>
+              <a:rPr lang="en-US" altLang="en-US" u="sng" dirty="0"/>
               <a:t>abstract</a:t>
             </a:r>
             <a:r>
-              <a:rPr lang="en-US" altLang="en-US" dirty="0" smtClean="0"/>
+              <a:rPr lang="en-US" altLang="en-US" dirty="0"/>
               <a:t> </a:t>
             </a:r>
             <a:r>
-              <a:rPr lang="en-US" altLang="en-US" dirty="0" err="1" smtClean="0"/>
+              <a:rPr lang="en-US" altLang="en-US" dirty="0" err="1"/>
               <a:t>superclasses</a:t>
             </a:r>
             <a:r>
-              <a:rPr lang="en-US" altLang="en-US" dirty="0" smtClean="0"/>
+              <a:rPr lang="en-US" altLang="en-US" dirty="0"/>
               <a:t>) that</a:t>
             </a:r>
           </a:p>
           <a:p>
             <a:pPr lvl="2" eaLnBrk="1" hangingPunct="1"/>
             <a:r>
-              <a:rPr lang="en-US" altLang="en-US" dirty="0" smtClean="0"/>
+              <a:rPr lang="en-US" altLang="en-US" dirty="0"/>
               <a:t>Cannot be instantiated </a:t>
             </a:r>
           </a:p>
           <a:p>
             <a:pPr lvl="2" eaLnBrk="1" hangingPunct="1"/>
             <a:r>
-              <a:rPr lang="en-US" altLang="en-US" dirty="0" smtClean="0"/>
+              <a:rPr lang="en-US" altLang="en-US" dirty="0"/>
               <a:t>Incomplete</a:t>
             </a:r>
           </a:p>
           <a:p>
             <a:pPr lvl="3" eaLnBrk="1" hangingPunct="1"/>
             <a:r>
-              <a:rPr lang="en-US" altLang="en-US" dirty="0" smtClean="0"/>
+              <a:rPr lang="en-US" altLang="en-US" dirty="0"/>
               <a:t>subclasses fill in "missing pieces“</a:t>
             </a:r>
           </a:p>
           <a:p>
             <a:pPr lvl="2" eaLnBrk="1" hangingPunct="1"/>
             <a:r>
-              <a:rPr lang="en-US" altLang="en-US" dirty="0" smtClean="0"/>
+              <a:rPr lang="en-US" altLang="en-US" dirty="0"/>
               <a:t>Contains zero or more abstract method.</a:t>
             </a:r>
           </a:p>
           <a:p>
             <a:pPr eaLnBrk="1" hangingPunct="1"/>
             <a:r>
-              <a:rPr lang="en-US" altLang="en-US" dirty="0" smtClean="0"/>
+              <a:rPr lang="en-US" altLang="en-US" dirty="0"/>
               <a:t>Contains zero or more abstract </a:t>
             </a:r>
             <a:r>
-              <a:rPr lang="en-US" altLang="en-US" u="sng" dirty="0" smtClean="0"/>
+              <a:rPr lang="en-US" altLang="en-US" u="sng" dirty="0"/>
               <a:t>methods</a:t>
             </a:r>
-            <a:endParaRPr lang="en-US" altLang="en-US" dirty="0" smtClean="0"/>
+            <a:endParaRPr lang="en-US" altLang="en-US" dirty="0"/>
           </a:p>
           <a:p>
             <a:pPr lvl="1" eaLnBrk="1" hangingPunct="1"/>
             <a:r>
-              <a:rPr lang="en-US" altLang="en-US" dirty="0" smtClean="0"/>
+              <a:rPr lang="en-US" altLang="en-US" dirty="0"/>
               <a:t>Concrete subclasses must override</a:t>
             </a:r>
           </a:p>
           <a:p>
             <a:pPr lvl="1" eaLnBrk="1" hangingPunct="1"/>
             <a:r>
-              <a:rPr lang="en-US" altLang="en-US" dirty="0" smtClean="0"/>
+              <a:rPr lang="en-US" altLang="en-US" dirty="0"/>
               <a:t>Enforce child class to override that method</a:t>
             </a:r>
           </a:p>
           <a:p>
             <a:pPr eaLnBrk="1" hangingPunct="1"/>
             <a:r>
-              <a:rPr lang="en-US" altLang="en-US" dirty="0" smtClean="0"/>
+              <a:rPr lang="en-US" altLang="en-US" dirty="0"/>
               <a:t>Instance variables, concrete methods of abstract class</a:t>
             </a:r>
           </a:p>
           <a:p>
             <a:pPr lvl="1" eaLnBrk="1" hangingPunct="1"/>
             <a:r>
-              <a:rPr lang="en-US" altLang="en-US" dirty="0" smtClean="0"/>
+              <a:rPr lang="en-US" altLang="en-US" dirty="0"/>
               <a:t>subject to normal rules of inheritance </a:t>
             </a:r>
           </a:p>
           <a:p>
             <a:pPr eaLnBrk="1" hangingPunct="1"/>
-            <a:endParaRPr lang="en-US" altLang="en-US" dirty="0" smtClean="0"/>
+            <a:endParaRPr lang="en-US" altLang="en-US" dirty="0"/>
           </a:p>
         </p:txBody>
       </p:sp>
@@ -13733,7 +13560,7 @@
               <a:defRPr/>
             </a:pPr>
             <a:r>
-              <a:rPr lang="en-US" altLang="en-US" dirty="0" smtClean="0"/>
+              <a:rPr lang="en-US" altLang="en-US" dirty="0"/>
               <a:t>Purpose of Abstract Class</a:t>
             </a:r>
             <a:endParaRPr lang="en-US" dirty="0"/>
@@ -13757,45 +13584,45 @@
           <a:p>
             <a:pPr eaLnBrk="1" hangingPunct="1"/>
             <a:r>
-              <a:rPr lang="en-US" altLang="en-US" smtClean="0"/>
+              <a:rPr lang="en-US" altLang="en-US"/>
               <a:t>Declare common attributes  …</a:t>
             </a:r>
           </a:p>
           <a:p>
             <a:pPr eaLnBrk="1" hangingPunct="1"/>
             <a:r>
-              <a:rPr lang="en-US" altLang="en-US" smtClean="0"/>
+              <a:rPr lang="en-US" altLang="en-US"/>
               <a:t>Declare common behaviors of classes in a class hierarchy</a:t>
             </a:r>
           </a:p>
           <a:p>
             <a:pPr eaLnBrk="1" hangingPunct="1"/>
             <a:r>
-              <a:rPr lang="en-US" altLang="en-US" smtClean="0"/>
+              <a:rPr lang="en-US" altLang="en-US"/>
               <a:t>Via Abstract method, it enforce child class to override that method</a:t>
             </a:r>
           </a:p>
           <a:p>
             <a:pPr eaLnBrk="1" hangingPunct="1"/>
             <a:r>
-              <a:rPr lang="en-US" altLang="en-US" smtClean="0"/>
+              <a:rPr lang="en-US" altLang="en-US"/>
               <a:t>Restrict creating object</a:t>
             </a:r>
           </a:p>
           <a:p>
             <a:pPr lvl="1" eaLnBrk="1" hangingPunct="1"/>
             <a:r>
-              <a:rPr lang="en-US" altLang="en-US" smtClean="0"/>
+              <a:rPr lang="en-US" altLang="en-US"/>
               <a:t>Classes that are too general to create real objects</a:t>
             </a:r>
           </a:p>
           <a:p>
             <a:pPr eaLnBrk="1" hangingPunct="1"/>
-            <a:endParaRPr lang="en-US" altLang="en-US" smtClean="0"/>
+            <a:endParaRPr lang="en-US" altLang="en-US"/>
           </a:p>
           <a:p>
             <a:pPr eaLnBrk="1" hangingPunct="1"/>
-            <a:endParaRPr lang="en-US" altLang="en-US" smtClean="0"/>
+            <a:endParaRPr lang="en-US" altLang="en-US"/>
           </a:p>
         </p:txBody>
       </p:sp>
@@ -13846,7 +13673,7 @@
               <a:defRPr/>
             </a:pPr>
             <a:r>
-              <a:rPr lang="en-US" altLang="en-US" dirty="0" smtClean="0"/>
+              <a:rPr lang="en-US" altLang="en-US" dirty="0"/>
               <a:t>Abstract Class</a:t>
             </a:r>
             <a:endParaRPr lang="en-US" dirty="0"/>
@@ -13877,15 +13704,15 @@
               <a:defRPr/>
             </a:pPr>
             <a:r>
-              <a:rPr lang="en-US" altLang="en-US" dirty="0" smtClean="0"/>
+              <a:rPr lang="en-US" altLang="en-US" dirty="0"/>
               <a:t>Used only as abstract </a:t>
             </a:r>
             <a:r>
-              <a:rPr lang="en-US" altLang="en-US" dirty="0" err="1" smtClean="0"/>
+              <a:rPr lang="en-US" altLang="en-US" dirty="0" err="1"/>
               <a:t>superclasses</a:t>
             </a:r>
             <a:r>
-              <a:rPr lang="en-US" altLang="en-US" dirty="0" smtClean="0"/>
+              <a:rPr lang="en-US" altLang="en-US" dirty="0"/>
               <a:t> for concrete subclasses and to declare reference variables</a:t>
             </a:r>
           </a:p>
@@ -13897,15 +13724,15 @@
               <a:defRPr/>
             </a:pPr>
             <a:r>
-              <a:rPr lang="en-US" altLang="en-US" dirty="0" smtClean="0"/>
+              <a:rPr lang="en-US" altLang="en-US" dirty="0"/>
               <a:t>Many inheritance hierarchies have abstract </a:t>
             </a:r>
             <a:r>
-              <a:rPr lang="en-US" altLang="en-US" dirty="0" err="1" smtClean="0"/>
+              <a:rPr lang="en-US" altLang="en-US" dirty="0" err="1"/>
               <a:t>superclasses</a:t>
             </a:r>
             <a:r>
-              <a:rPr lang="en-US" altLang="en-US" dirty="0" smtClean="0"/>
+              <a:rPr lang="en-US" altLang="en-US" dirty="0"/>
               <a:t> occupying the top few levels</a:t>
             </a:r>
           </a:p>
@@ -13964,10 +13791,9 @@
               <a:defRPr/>
             </a:pPr>
             <a:r>
-              <a:rPr lang="en-US" dirty="0" smtClean="0"/>
+              <a:rPr lang="en-US" dirty="0"/>
               <a:t>Keyword - abstract</a:t>
             </a:r>
-            <a:endParaRPr lang="en-US" dirty="0"/>
           </a:p>
         </p:txBody>
       </p:sp>
@@ -13988,11 +13814,11 @@
           <a:p>
             <a:pPr marL="228600" indent="-228600" eaLnBrk="1" hangingPunct="1"/>
             <a:r>
-              <a:rPr lang="en-US" altLang="en-US" dirty="0" smtClean="0"/>
+              <a:rPr lang="en-US" altLang="en-US" dirty="0"/>
               <a:t>Use to declare a class </a:t>
             </a:r>
             <a:r>
-              <a:rPr lang="en-US" altLang="en-US" b="1" dirty="0" smtClean="0">
+              <a:rPr lang="en-US" altLang="en-US" b="1" dirty="0">
                 <a:solidFill>
                   <a:schemeClr val="tx2"/>
                 </a:solidFill>
@@ -14004,11 +13830,11 @@
           <a:p>
             <a:pPr marL="228600" indent="-228600" eaLnBrk="1" hangingPunct="1"/>
             <a:r>
-              <a:rPr lang="en-US" altLang="en-US" dirty="0" smtClean="0"/>
+              <a:rPr lang="en-US" altLang="en-US" dirty="0"/>
               <a:t>Also use to declare a method </a:t>
             </a:r>
             <a:r>
-              <a:rPr lang="en-US" altLang="en-US" b="1" dirty="0" smtClean="0">
+              <a:rPr lang="en-US" altLang="en-US" b="1" dirty="0">
                 <a:solidFill>
                   <a:schemeClr val="tx2"/>
                 </a:solidFill>
@@ -14020,36 +13846,36 @@
           <a:p>
             <a:pPr marL="228600" indent="-228600" eaLnBrk="1" hangingPunct="1"/>
             <a:r>
-              <a:rPr lang="en-US" altLang="en-US" dirty="0" smtClean="0"/>
+              <a:rPr lang="en-US" altLang="en-US" dirty="0"/>
               <a:t>All </a:t>
             </a:r>
             <a:r>
-              <a:rPr lang="en-US" altLang="en-US" b="1" dirty="0" smtClean="0"/>
+              <a:rPr lang="en-US" altLang="en-US" b="1" dirty="0"/>
               <a:t>concrete</a:t>
             </a:r>
             <a:r>
-              <a:rPr lang="en-US" altLang="en-US" dirty="0" smtClean="0"/>
+              <a:rPr lang="en-US" altLang="en-US" dirty="0"/>
               <a:t> subclasses must override all inherited abstract methods</a:t>
             </a:r>
           </a:p>
           <a:p>
             <a:pPr lvl="1" eaLnBrk="1" hangingPunct="1"/>
             <a:r>
-              <a:rPr lang="en-US" altLang="en-US" dirty="0" smtClean="0">
+              <a:rPr lang="en-US" altLang="en-US" dirty="0">
                 <a:ea typeface="times new roman" pitchFamily="18" charset="0"/>
                 <a:cs typeface="Helvetica" pitchFamily="34" charset="0"/>
               </a:rPr>
               <a:t>If any subclass doesn’t implement a superclass’s abstract methods, the child class should also declared </a:t>
             </a:r>
             <a:r>
-              <a:rPr lang="en-US" altLang="en-US" sz="2200" dirty="0" smtClean="0">
+              <a:rPr lang="en-US" altLang="en-US" sz="2200" dirty="0">
                 <a:latin typeface="Lucida Console" pitchFamily="49" charset="0"/>
                 <a:ea typeface="LucidaSansTypewriter"/>
                 <a:cs typeface="Lucida Console" pitchFamily="49" charset="0"/>
               </a:rPr>
               <a:t>abstract</a:t>
             </a:r>
-            <a:endParaRPr lang="en-US" altLang="en-US" dirty="0" smtClean="0"/>
+            <a:endParaRPr lang="en-US" altLang="en-US" dirty="0"/>
           </a:p>
         </p:txBody>
       </p:sp>
@@ -14097,7 +13923,7 @@
               <a:defRPr/>
             </a:pPr>
             <a:r>
-              <a:rPr lang="en-US" altLang="en-US" dirty="0" smtClean="0"/>
+              <a:rPr lang="en-US" altLang="en-US" dirty="0"/>
               <a:t>Abstract Class– how to declare</a:t>
             </a:r>
             <a:endParaRPr lang="en-US" dirty="0"/>
@@ -14126,15 +13952,15 @@
               <a:buNone/>
             </a:pPr>
             <a:r>
-              <a:rPr lang="en-US" sz="1600" dirty="0" smtClean="0"/>
+              <a:rPr lang="en-US" sz="1600" dirty="0"/>
               <a:t>public abstract class </a:t>
             </a:r>
             <a:r>
-              <a:rPr lang="en-US" sz="1600" dirty="0" err="1" smtClean="0"/>
+              <a:rPr lang="en-US" sz="1600" dirty="0" err="1"/>
               <a:t>NameOfClass</a:t>
             </a:r>
             <a:r>
-              <a:rPr lang="en-US" sz="1600" dirty="0" smtClean="0"/>
+              <a:rPr lang="en-US" sz="1600" dirty="0"/>
               <a:t> { </a:t>
             </a:r>
           </a:p>
@@ -14146,7 +13972,7 @@
               <a:buNone/>
             </a:pPr>
             <a:r>
-              <a:rPr lang="en-US" sz="1600" dirty="0" smtClean="0"/>
+              <a:rPr lang="en-US" sz="1600" dirty="0"/>
               <a:t>	// Any number of instance variables, constructors, concrete methods </a:t>
             </a:r>
           </a:p>
@@ -14158,7 +13984,7 @@
               <a:buNone/>
             </a:pPr>
             <a:r>
-              <a:rPr lang="en-US" sz="1600" dirty="0" smtClean="0"/>
+              <a:rPr lang="en-US" sz="1600" dirty="0"/>
               <a:t>	// Zero(0) or more abstract method declarations</a:t>
             </a:r>
           </a:p>
@@ -14170,7 +13996,7 @@
               <a:buNone/>
             </a:pPr>
             <a:r>
-              <a:rPr lang="en-US" sz="1600" dirty="0" smtClean="0"/>
+              <a:rPr lang="en-US" sz="1600" dirty="0"/>
               <a:t>}</a:t>
             </a:r>
           </a:p>
@@ -14181,7 +14007,7 @@
               </a:spcBef>
               <a:buNone/>
             </a:pPr>
-            <a:endParaRPr lang="en-US" sz="1600" dirty="0" smtClean="0"/>
+            <a:endParaRPr lang="en-US" sz="1600" dirty="0"/>
           </a:p>
           <a:p>
             <a:pPr marL="0" indent="0">
@@ -14191,10 +14017,9 @@
               <a:buNone/>
             </a:pPr>
             <a:r>
-              <a:rPr lang="en-US" sz="2000" b="1" u="sng" dirty="0" smtClean="0"/>
+              <a:rPr lang="en-US" sz="2000" b="1" u="sng" dirty="0"/>
               <a:t>Note: </a:t>
             </a:r>
-            <a:endParaRPr lang="en-US" sz="2000" b="1" u="sng" dirty="0" smtClean="0"/>
           </a:p>
           <a:p>
             <a:pPr>
@@ -14203,7 +14028,7 @@
               </a:spcBef>
             </a:pPr>
             <a:r>
-              <a:rPr lang="en-US" dirty="0" smtClean="0"/>
+              <a:rPr lang="en-US" dirty="0"/>
               <a:t>Abstract class has all the features and use of normal/concrete class. Only differences are</a:t>
             </a:r>
           </a:p>
@@ -14214,7 +14039,7 @@
               </a:spcBef>
             </a:pPr>
             <a:r>
-              <a:rPr lang="en-US" sz="1800" dirty="0" smtClean="0"/>
+              <a:rPr lang="en-US" sz="1800" dirty="0"/>
               <a:t>Can not be instantiated</a:t>
             </a:r>
           </a:p>
@@ -14225,7 +14050,7 @@
               </a:spcBef>
             </a:pPr>
             <a:r>
-              <a:rPr lang="en-US" sz="1800" dirty="0" smtClean="0"/>
+              <a:rPr lang="en-US" sz="1800" dirty="0"/>
               <a:t>Must create a Child class</a:t>
             </a:r>
           </a:p>
@@ -14236,7 +14061,7 @@
               </a:spcBef>
             </a:pPr>
             <a:r>
-              <a:rPr lang="en-US" sz="1800" dirty="0" smtClean="0"/>
+              <a:rPr lang="en-US" sz="1800" dirty="0"/>
               <a:t>Can contain abstract method</a:t>
             </a:r>
           </a:p>
@@ -14247,7 +14072,7 @@
               </a:spcBef>
             </a:pPr>
             <a:r>
-              <a:rPr lang="en-US" sz="1600" dirty="0" smtClean="0"/>
+              <a:rPr lang="en-US" sz="1600" dirty="0"/>
               <a:t>If there are abstract methods, child class must override those methods.</a:t>
             </a:r>
           </a:p>
@@ -14258,7 +14083,7 @@
               </a:spcBef>
               <a:buNone/>
             </a:pPr>
-            <a:endParaRPr lang="en-US" altLang="en-US" sz="1600" dirty="0" smtClean="0"/>
+            <a:endParaRPr lang="en-US" altLang="en-US" sz="1600" dirty="0"/>
           </a:p>
         </p:txBody>
       </p:sp>
